--- a/Control of Sous Vide Cooking Device.pptx
+++ b/Control of Sous Vide Cooking Device.pptx
@@ -5,14 +5,13 @@
     <p:sldMasterId id="2147483723" r:id="rId1"/>
   </p:sldMasterIdLst>
   <p:notesMasterIdLst>
-    <p:notesMasterId r:id="rId4"/>
+    <p:notesMasterId r:id="rId3"/>
   </p:notesMasterIdLst>
   <p:handoutMasterIdLst>
-    <p:handoutMasterId r:id="rId5"/>
+    <p:handoutMasterId r:id="rId4"/>
   </p:handoutMasterIdLst>
   <p:sldIdLst>
     <p:sldId id="259" r:id="rId2"/>
-    <p:sldId id="260" r:id="rId3"/>
   </p:sldIdLst>
   <p:sldSz cx="25201563" cy="36009263"/>
   <p:notesSz cx="6858000" cy="9144000"/>
@@ -179,7 +178,7 @@
             </a:lvl1pPr>
           </a:lstStyle>
           <a:p>
-            <a:endParaRPr lang="sv-SE"/>
+            <a:endParaRPr lang="sv-SE" dirty="0"/>
           </a:p>
         </p:txBody>
       </p:sp>
@@ -212,9 +211,9 @@
           <a:p>
             <a:fld id="{FD44785F-C493-F548-A565-CD2A9427BE46}" type="datetimeFigureOut">
               <a:rPr lang="sv-SE" smtClean="0"/>
-              <a:t>2016-12-06</a:t>
+              <a:t>2016-12-07</a:t>
             </a:fld>
-            <a:endParaRPr lang="sv-SE"/>
+            <a:endParaRPr lang="sv-SE" dirty="0"/>
           </a:p>
         </p:txBody>
       </p:sp>
@@ -245,7 +244,7 @@
             </a:lvl1pPr>
           </a:lstStyle>
           <a:p>
-            <a:endParaRPr lang="sv-SE"/>
+            <a:endParaRPr lang="sv-SE" dirty="0"/>
           </a:p>
         </p:txBody>
       </p:sp>
@@ -280,7 +279,7 @@
               <a:rPr lang="sv-SE" smtClean="0"/>
               <a:t>‹#›</a:t>
             </a:fld>
-            <a:endParaRPr lang="sv-SE"/>
+            <a:endParaRPr lang="sv-SE" dirty="0"/>
           </a:p>
         </p:txBody>
       </p:sp>
@@ -344,7 +343,7 @@
             </a:lvl1pPr>
           </a:lstStyle>
           <a:p>
-            <a:endParaRPr lang="sv-SE"/>
+            <a:endParaRPr lang="sv-SE" dirty="0"/>
           </a:p>
         </p:txBody>
       </p:sp>
@@ -377,9 +376,9 @@
           <a:p>
             <a:fld id="{86C1F462-CC0E-4215-B2E3-FB90C61B1F46}" type="datetimeFigureOut">
               <a:rPr lang="sv-SE" smtClean="0"/>
-              <a:t>2016-12-06</a:t>
+              <a:t>2016-12-07</a:t>
             </a:fld>
-            <a:endParaRPr lang="sv-SE"/>
+            <a:endParaRPr lang="sv-SE" dirty="0"/>
           </a:p>
         </p:txBody>
       </p:sp>
@@ -412,7 +411,7 @@
           <a:bodyPr vert="horz" lIns="91440" tIns="45720" rIns="91440" bIns="45720" rtlCol="0" anchor="ctr"/>
           <a:lstStyle/>
           <a:p>
-            <a:endParaRPr lang="sv-SE"/>
+            <a:endParaRPr lang="sv-SE" dirty="0"/>
           </a:p>
         </p:txBody>
       </p:sp>
@@ -503,7 +502,7 @@
             </a:lvl1pPr>
           </a:lstStyle>
           <a:p>
-            <a:endParaRPr lang="sv-SE"/>
+            <a:endParaRPr lang="sv-SE" dirty="0"/>
           </a:p>
         </p:txBody>
       </p:sp>
@@ -538,7 +537,7 @@
               <a:rPr lang="sv-SE" smtClean="0"/>
               <a:t>‹#›</a:t>
             </a:fld>
-            <a:endParaRPr lang="sv-SE"/>
+            <a:endParaRPr lang="sv-SE" dirty="0"/>
           </a:p>
         </p:txBody>
       </p:sp>
@@ -712,7 +711,7 @@
               <a:rPr lang="sv-SE" smtClean="0"/>
               <a:t>1</a:t>
             </a:fld>
-            <a:endParaRPr lang="sv-SE"/>
+            <a:endParaRPr lang="sv-SE" dirty="0"/>
           </a:p>
         </p:txBody>
       </p:sp>
@@ -776,7 +775,7 @@
           <a:noFill/>
           <a:extLst>
             <a:ext uri="{909E8E84-426E-40dd-AFC4-6F175D3DCCD1}">
-              <a14:hiddenFill xmlns:a14="http://schemas.microsoft.com/office/drawing/2010/main" xmlns="">
+              <a14:hiddenFill xmlns="" xmlns:a14="http://schemas.microsoft.com/office/drawing/2010/main">
                 <a:solidFill>
                   <a:srgbClr val="FFFFFF"/>
                 </a:solidFill>
@@ -823,7 +822,7 @@
           <a:lstStyle/>
           <a:p>
             <a:pPr algn="ctr"/>
-            <a:endParaRPr lang="sv-SE">
+            <a:endParaRPr lang="sv-SE" dirty="0">
               <a:ln>
                 <a:noFill/>
               </a:ln>
@@ -1240,17 +1239,6 @@
               <a:defRPr/>
             </a:pPr>
             <a:r>
-              <a:rPr lang="sv-SE" sz="4000" b="1" i="0" u="none" strike="noStrike" kern="1200" baseline="0" dirty="0" err="1">
-                <a:solidFill>
-                  <a:srgbClr val="9B2043"/>
-                </a:solidFill>
-                <a:latin typeface="+mj-lt"/>
-                <a:ea typeface="+mn-ea"/>
-                <a:cs typeface="+mn-cs"/>
-              </a:rPr>
-              <a:t>Department</a:t>
-            </a:r>
-            <a:r>
               <a:rPr lang="sv-SE" sz="4000" b="1" i="0" u="none" strike="noStrike" kern="1200" baseline="0" dirty="0">
                 <a:solidFill>
                   <a:srgbClr val="9B2043"/>
@@ -1259,29 +1247,7 @@
                 <a:ea typeface="+mn-ea"/>
                 <a:cs typeface="+mn-cs"/>
               </a:rPr>
-              <a:t> </a:t>
-            </a:r>
-            <a:r>
-              <a:rPr lang="sv-SE" sz="4000" b="1" i="0" u="none" strike="noStrike" kern="1200" baseline="0" dirty="0" err="1">
-                <a:solidFill>
-                  <a:srgbClr val="9B2043"/>
-                </a:solidFill>
-                <a:latin typeface="+mj-lt"/>
-                <a:ea typeface="+mn-ea"/>
-                <a:cs typeface="+mn-cs"/>
-              </a:rPr>
-              <a:t>of</a:t>
-            </a:r>
-            <a:r>
-              <a:rPr lang="sv-SE" sz="4000" b="1" i="0" u="none" strike="noStrike" kern="1200" baseline="0" dirty="0">
-                <a:solidFill>
-                  <a:srgbClr val="9B2043"/>
-                </a:solidFill>
-                <a:latin typeface="+mj-lt"/>
-                <a:ea typeface="+mn-ea"/>
-                <a:cs typeface="+mn-cs"/>
-              </a:rPr>
-              <a:t> Signals and Systems</a:t>
+              <a:t>Department of Signals and Systems</a:t>
             </a:r>
             <a:endParaRPr lang="sv-SE" sz="4000" b="1" baseline="0" dirty="0">
               <a:solidFill>
@@ -1861,7 +1827,7 @@
           <a:noFill/>
           <a:extLst>
             <a:ext uri="{909E8E84-426E-40dd-AFC4-6F175D3DCCD1}">
-              <a14:hiddenFill xmlns:a14="http://schemas.microsoft.com/office/drawing/2010/main" xmlns="">
+              <a14:hiddenFill xmlns="" xmlns:a14="http://schemas.microsoft.com/office/drawing/2010/main">
                 <a:solidFill>
                   <a:srgbClr val="FFFFFF"/>
                 </a:solidFill>
@@ -1908,7 +1874,7 @@
           <a:lstStyle/>
           <a:p>
             <a:pPr algn="ctr"/>
-            <a:endParaRPr lang="sv-SE">
+            <a:endParaRPr lang="sv-SE" dirty="0">
               <a:ln>
                 <a:noFill/>
               </a:ln>
@@ -1956,17 +1922,6 @@
               <a:defRPr/>
             </a:pPr>
             <a:r>
-              <a:rPr lang="sv-SE" sz="4000" b="1" i="0" u="none" strike="noStrike" kern="1200" baseline="0" dirty="0" err="1">
-                <a:solidFill>
-                  <a:srgbClr val="9B2043"/>
-                </a:solidFill>
-                <a:latin typeface="+mj-lt"/>
-                <a:ea typeface="+mn-ea"/>
-                <a:cs typeface="+mn-cs"/>
-              </a:rPr>
-              <a:t>Department</a:t>
-            </a:r>
-            <a:r>
               <a:rPr lang="sv-SE" sz="4000" b="1" i="0" u="none" strike="noStrike" kern="1200" baseline="0" dirty="0">
                 <a:solidFill>
                   <a:srgbClr val="9B2043"/>
@@ -1975,29 +1930,7 @@
                 <a:ea typeface="+mn-ea"/>
                 <a:cs typeface="+mn-cs"/>
               </a:rPr>
-              <a:t> </a:t>
-            </a:r>
-            <a:r>
-              <a:rPr lang="sv-SE" sz="4000" b="1" i="0" u="none" strike="noStrike" kern="1200" baseline="0" dirty="0" err="1">
-                <a:solidFill>
-                  <a:srgbClr val="9B2043"/>
-                </a:solidFill>
-                <a:latin typeface="+mj-lt"/>
-                <a:ea typeface="+mn-ea"/>
-                <a:cs typeface="+mn-cs"/>
-              </a:rPr>
-              <a:t>of</a:t>
-            </a:r>
-            <a:r>
-              <a:rPr lang="sv-SE" sz="4000" b="1" i="0" u="none" strike="noStrike" kern="1200" baseline="0" dirty="0">
-                <a:solidFill>
-                  <a:srgbClr val="9B2043"/>
-                </a:solidFill>
-                <a:latin typeface="+mj-lt"/>
-                <a:ea typeface="+mn-ea"/>
-                <a:cs typeface="+mn-cs"/>
-              </a:rPr>
-              <a:t> Signals and Systems</a:t>
+              <a:t>Department of Signals and Systems</a:t>
             </a:r>
             <a:endParaRPr lang="sv-SE" sz="4000" b="1" baseline="0" dirty="0">
               <a:solidFill>
@@ -2199,7 +2132,7 @@
           </a:lstStyle>
           <a:p>
             <a:r>
-              <a:rPr lang="sv-SE" dirty="0" err="1"/>
+              <a:rPr lang="sv-SE" dirty="0"/>
               <a:t>Name</a:t>
             </a:r>
             <a:br>
@@ -2696,9 +2629,29 @@
           </a:p>
           <a:p>
             <a:pPr algn="r"/>
-            <a:r>
-              <a:rPr lang="sv-SE" dirty="0"/>
-              <a:t> </a:t>
+            <a:endParaRPr lang="sv-SE" dirty="0"/>
+          </a:p>
+          <a:p>
+            <a:pPr algn="r"/>
+            <a:r>
+              <a:rPr lang="sv-SE" dirty="0"/>
+              <a:t>Markus Björklund, Josefine </a:t>
+            </a:r>
+            <a:r>
+              <a:rPr lang="sv-SE" dirty="0" err="1"/>
+              <a:t>Södling</a:t>
+            </a:r>
+            <a:r>
+              <a:rPr lang="sv-SE" dirty="0"/>
+              <a:t> and </a:t>
+            </a:r>
+            <a:r>
+              <a:rPr lang="sv-SE" dirty="0" err="1"/>
+              <a:t>Tonja</a:t>
+            </a:r>
+            <a:r>
+              <a:rPr lang="sv-SE" dirty="0"/>
+              <a:t> Heinemann </a:t>
             </a:r>
           </a:p>
         </p:txBody>
@@ -2736,7 +2689,7 @@
               <a:t> </a:t>
             </a:r>
             <a:r>
-              <a:rPr lang="sv-SE" sz="10000" dirty="0" err="1"/>
+              <a:rPr lang="en-US" sz="10000" dirty="0"/>
               <a:t>Sous</a:t>
             </a:r>
             <a:r>
@@ -2744,7 +2697,7 @@
               <a:t> Vide </a:t>
             </a:r>
             <a:r>
-              <a:rPr lang="sv-SE" sz="10000" dirty="0" err="1"/>
+              <a:rPr lang="en-US" sz="10000" dirty="0"/>
               <a:t>Cooking</a:t>
             </a:r>
             <a:r>
@@ -2769,14 +2722,19 @@
             <p:ph type="body" sz="quarter" idx="24"/>
           </p:nvPr>
         </p:nvSpPr>
-        <p:spPr/>
+        <p:spPr>
+          <a:xfrm>
+            <a:off x="1146529" y="9593133"/>
+            <a:ext cx="4900612" cy="752704"/>
+          </a:xfrm>
+        </p:spPr>
         <p:txBody>
           <a:bodyPr/>
           <a:lstStyle/>
           <a:p>
             <a:r>
               <a:rPr lang="sv-SE" dirty="0" err="1"/>
-              <a:t>Model</a:t>
+              <a:t>Overview</a:t>
             </a:r>
             <a:endParaRPr lang="sv-SE" dirty="0"/>
           </a:p>
@@ -2792,58 +2750,375 @@
             <p:ph type="body" sz="quarter" idx="11"/>
           </p:nvPr>
         </p:nvSpPr>
-        <p:spPr/>
+        <p:spPr>
+          <a:xfrm>
+            <a:off x="1164169" y="10355227"/>
+            <a:ext cx="10988503" cy="5656661"/>
+          </a:xfrm>
+        </p:spPr>
         <p:txBody>
           <a:bodyPr/>
           <a:lstStyle/>
           <a:p>
-            <a:r>
-              <a:rPr lang="sv-SE" dirty="0" err="1"/>
-              <a:t>Both</a:t>
-            </a:r>
-            <a:r>
-              <a:rPr lang="sv-SE" dirty="0"/>
-              <a:t> my </a:t>
-            </a:r>
-            <a:r>
-              <a:rPr lang="sv-SE" dirty="0" err="1"/>
-              <a:t>formulas</a:t>
-            </a:r>
-            <a:r>
-              <a:rPr lang="sv-SE" dirty="0"/>
-              <a:t> + </a:t>
-            </a:r>
-            <a:r>
-              <a:rPr lang="sv-SE" dirty="0" err="1"/>
-              <a:t>pic</a:t>
-            </a:r>
-            <a:br>
-              <a:rPr lang="sv-SE" dirty="0"/>
-            </a:br>
-            <a:r>
-              <a:rPr lang="sv-SE" dirty="0" err="1"/>
-              <a:t>Tonies</a:t>
-            </a:r>
-            <a:r>
-              <a:rPr lang="sv-SE" dirty="0"/>
-              <a:t> </a:t>
-            </a:r>
-            <a:r>
-              <a:rPr lang="sv-SE" dirty="0" err="1"/>
-              <a:t>Simulink</a:t>
-            </a:r>
-            <a:endParaRPr lang="sv-SE" dirty="0"/>
-          </a:p>
-          <a:p>
-            <a:r>
-              <a:rPr lang="sv-SE" dirty="0"/>
-              <a:t>A+B </a:t>
-            </a:r>
-            <a:r>
-              <a:rPr lang="sv-SE" dirty="0" err="1"/>
-              <a:t>statespace</a:t>
-            </a:r>
-            <a:endParaRPr lang="sv-SE" dirty="0"/>
+            <a:pPr algn="just"/>
+            <a:r>
+              <a:rPr lang="sv-SE" dirty="0" err="1"/>
+              <a:t>Cooking</a:t>
+            </a:r>
+            <a:r>
+              <a:rPr lang="sv-SE" dirty="0"/>
+              <a:t> </a:t>
+            </a:r>
+            <a:r>
+              <a:rPr lang="sv-SE" dirty="0" err="1"/>
+              <a:t>sous</a:t>
+            </a:r>
+            <a:r>
+              <a:rPr lang="sv-SE" dirty="0"/>
+              <a:t> vide </a:t>
+            </a:r>
+            <a:r>
+              <a:rPr lang="sv-SE" dirty="0" err="1"/>
+              <a:t>means</a:t>
+            </a:r>
+            <a:r>
+              <a:rPr lang="sv-SE" dirty="0"/>
+              <a:t> putting food in </a:t>
+            </a:r>
+            <a:r>
+              <a:rPr lang="sv-SE" dirty="0" err="1"/>
+              <a:t>airtight</a:t>
+            </a:r>
+            <a:r>
+              <a:rPr lang="sv-SE" dirty="0"/>
+              <a:t> </a:t>
+            </a:r>
+            <a:r>
+              <a:rPr lang="sv-SE" dirty="0" err="1"/>
+              <a:t>sealed</a:t>
+            </a:r>
+            <a:r>
+              <a:rPr lang="sv-SE" dirty="0"/>
+              <a:t> plastic bags and </a:t>
+            </a:r>
+            <a:r>
+              <a:rPr lang="sv-SE" dirty="0" err="1"/>
+              <a:t>leaving</a:t>
+            </a:r>
+            <a:r>
+              <a:rPr lang="sv-SE" dirty="0"/>
+              <a:t> it in a </a:t>
+            </a:r>
+            <a:r>
+              <a:rPr lang="sv-SE" dirty="0" err="1"/>
+              <a:t>water</a:t>
+            </a:r>
+            <a:r>
+              <a:rPr lang="sv-SE" dirty="0"/>
+              <a:t> </a:t>
+            </a:r>
+            <a:r>
+              <a:rPr lang="sv-SE" dirty="0" err="1"/>
+              <a:t>bath</a:t>
+            </a:r>
+            <a:r>
+              <a:rPr lang="sv-SE" dirty="0"/>
+              <a:t> for a long </a:t>
+            </a:r>
+            <a:r>
+              <a:rPr lang="sv-SE" dirty="0" err="1"/>
+              <a:t>time</a:t>
+            </a:r>
+            <a:r>
+              <a:rPr lang="sv-SE" dirty="0"/>
+              <a:t> at a </a:t>
+            </a:r>
+            <a:r>
+              <a:rPr lang="sv-SE" dirty="0" err="1"/>
+              <a:t>constant</a:t>
+            </a:r>
+            <a:r>
+              <a:rPr lang="sv-SE" dirty="0"/>
+              <a:t> </a:t>
+            </a:r>
+            <a:r>
+              <a:rPr lang="sv-SE" dirty="0" err="1"/>
+              <a:t>temperature</a:t>
+            </a:r>
+            <a:r>
+              <a:rPr lang="sv-SE" dirty="0"/>
+              <a:t>.</a:t>
+            </a:r>
+          </a:p>
+          <a:p>
+            <a:pPr algn="just"/>
+            <a:r>
+              <a:rPr lang="sv-SE" dirty="0"/>
+              <a:t>To </a:t>
+            </a:r>
+            <a:r>
+              <a:rPr lang="sv-SE" dirty="0" err="1"/>
+              <a:t>ensure</a:t>
+            </a:r>
+            <a:r>
+              <a:rPr lang="sv-SE" dirty="0"/>
+              <a:t> a </a:t>
+            </a:r>
+            <a:r>
+              <a:rPr lang="sv-SE" dirty="0" err="1"/>
+              <a:t>constant</a:t>
+            </a:r>
+            <a:r>
+              <a:rPr lang="sv-SE" dirty="0"/>
+              <a:t> </a:t>
+            </a:r>
+            <a:r>
+              <a:rPr lang="sv-SE" dirty="0" err="1"/>
+              <a:t>temperature</a:t>
+            </a:r>
+            <a:r>
+              <a:rPr lang="sv-SE" dirty="0"/>
+              <a:t> </a:t>
+            </a:r>
+            <a:r>
+              <a:rPr lang="sv-SE" dirty="0" err="1"/>
+              <a:t>with</a:t>
+            </a:r>
+            <a:r>
+              <a:rPr lang="sv-SE" dirty="0"/>
+              <a:t> the </a:t>
+            </a:r>
+            <a:r>
+              <a:rPr lang="sv-SE" dirty="0" err="1"/>
+              <a:t>device</a:t>
+            </a:r>
+            <a:r>
+              <a:rPr lang="sv-SE" dirty="0"/>
+              <a:t> </a:t>
+            </a:r>
+            <a:r>
+              <a:rPr lang="sv-SE" dirty="0" err="1"/>
+              <a:t>used</a:t>
+            </a:r>
+            <a:r>
+              <a:rPr lang="sv-SE" dirty="0"/>
+              <a:t> for the </a:t>
+            </a:r>
+            <a:r>
+              <a:rPr lang="sv-SE" dirty="0" err="1"/>
+              <a:t>project</a:t>
+            </a:r>
+            <a:r>
+              <a:rPr lang="sv-SE" dirty="0"/>
+              <a:t>, a </a:t>
+            </a:r>
+            <a:r>
+              <a:rPr lang="sv-SE" dirty="0" err="1"/>
+              <a:t>model</a:t>
+            </a:r>
+            <a:r>
+              <a:rPr lang="sv-SE" dirty="0"/>
+              <a:t> has </a:t>
+            </a:r>
+            <a:r>
+              <a:rPr lang="sv-SE" dirty="0" err="1"/>
+              <a:t>been</a:t>
+            </a:r>
+            <a:r>
+              <a:rPr lang="sv-SE" dirty="0"/>
+              <a:t> </a:t>
+            </a:r>
+            <a:r>
+              <a:rPr lang="sv-SE" dirty="0" err="1"/>
+              <a:t>created</a:t>
+            </a:r>
+            <a:r>
+              <a:rPr lang="sv-SE" dirty="0"/>
+              <a:t>. </a:t>
+            </a:r>
+            <a:r>
+              <a:rPr lang="sv-SE" dirty="0" err="1"/>
+              <a:t>With</a:t>
+            </a:r>
+            <a:r>
+              <a:rPr lang="sv-SE" dirty="0"/>
+              <a:t> </a:t>
+            </a:r>
+            <a:r>
+              <a:rPr lang="sv-SE" dirty="0" err="1"/>
+              <a:t>this</a:t>
+            </a:r>
+            <a:r>
+              <a:rPr lang="sv-SE" dirty="0"/>
+              <a:t> </a:t>
+            </a:r>
+            <a:r>
+              <a:rPr lang="sv-SE" dirty="0" err="1"/>
+              <a:t>model</a:t>
+            </a:r>
+            <a:r>
+              <a:rPr lang="sv-SE" dirty="0"/>
+              <a:t>, a </a:t>
+            </a:r>
+            <a:r>
+              <a:rPr lang="sv-SE" dirty="0" err="1"/>
+              <a:t>control</a:t>
+            </a:r>
+            <a:r>
+              <a:rPr lang="sv-SE" dirty="0"/>
+              <a:t> </a:t>
+            </a:r>
+            <a:r>
+              <a:rPr lang="sv-SE" dirty="0" err="1"/>
+              <a:t>algorithm</a:t>
+            </a:r>
+            <a:r>
+              <a:rPr lang="sv-SE" dirty="0"/>
+              <a:t> has </a:t>
+            </a:r>
+            <a:r>
+              <a:rPr lang="sv-SE" dirty="0" err="1"/>
+              <a:t>been</a:t>
+            </a:r>
+            <a:r>
+              <a:rPr lang="sv-SE" dirty="0"/>
+              <a:t> </a:t>
+            </a:r>
+            <a:r>
+              <a:rPr lang="sv-SE" dirty="0" err="1"/>
+              <a:t>designed</a:t>
+            </a:r>
+            <a:r>
+              <a:rPr lang="sv-SE" dirty="0"/>
+              <a:t>.</a:t>
+            </a:r>
+          </a:p>
+          <a:p>
+            <a:pPr algn="just"/>
+            <a:r>
+              <a:rPr lang="sv-SE" dirty="0"/>
+              <a:t>The </a:t>
+            </a:r>
+            <a:r>
+              <a:rPr lang="sv-SE" dirty="0" err="1"/>
+              <a:t>control</a:t>
+            </a:r>
+            <a:r>
+              <a:rPr lang="sv-SE" dirty="0"/>
+              <a:t> </a:t>
+            </a:r>
+            <a:r>
+              <a:rPr lang="sv-SE" dirty="0" err="1"/>
+              <a:t>algorithm</a:t>
+            </a:r>
+            <a:r>
+              <a:rPr lang="sv-SE" dirty="0"/>
+              <a:t> is </a:t>
+            </a:r>
+            <a:r>
+              <a:rPr lang="sv-SE" dirty="0" err="1"/>
+              <a:t>implemented</a:t>
+            </a:r>
+            <a:r>
+              <a:rPr lang="sv-SE" dirty="0"/>
+              <a:t> on an </a:t>
+            </a:r>
+            <a:r>
+              <a:rPr lang="sv-SE" dirty="0" err="1"/>
+              <a:t>Arduino</a:t>
+            </a:r>
+            <a:r>
+              <a:rPr lang="sv-SE" dirty="0"/>
+              <a:t> Mega 2560 </a:t>
+            </a:r>
+            <a:r>
+              <a:rPr lang="sv-SE" dirty="0" err="1"/>
+              <a:t>which</a:t>
+            </a:r>
+            <a:r>
+              <a:rPr lang="sv-SE" dirty="0"/>
+              <a:t> </a:t>
+            </a:r>
+            <a:r>
+              <a:rPr lang="sv-SE" dirty="0" err="1"/>
+              <a:t>can</a:t>
+            </a:r>
+            <a:r>
+              <a:rPr lang="sv-SE" dirty="0"/>
+              <a:t> </a:t>
+            </a:r>
+            <a:r>
+              <a:rPr lang="sv-SE" dirty="0" err="1"/>
+              <a:t>also</a:t>
+            </a:r>
+            <a:r>
+              <a:rPr lang="sv-SE" dirty="0"/>
+              <a:t> be </a:t>
+            </a:r>
+            <a:r>
+              <a:rPr lang="sv-SE" dirty="0" err="1"/>
+              <a:t>used</a:t>
+            </a:r>
+            <a:r>
+              <a:rPr lang="sv-SE" dirty="0"/>
+              <a:t> for a </a:t>
+            </a:r>
+            <a:r>
+              <a:rPr lang="sv-SE" dirty="0" err="1"/>
+              <a:t>lot</a:t>
+            </a:r>
+            <a:r>
+              <a:rPr lang="sv-SE" dirty="0"/>
+              <a:t> </a:t>
+            </a:r>
+            <a:r>
+              <a:rPr lang="sv-SE" dirty="0" err="1"/>
+              <a:t>of</a:t>
+            </a:r>
+            <a:r>
+              <a:rPr lang="sv-SE" dirty="0"/>
+              <a:t> </a:t>
+            </a:r>
+            <a:r>
+              <a:rPr lang="sv-SE" dirty="0" err="1"/>
+              <a:t>additional</a:t>
+            </a:r>
+            <a:r>
+              <a:rPr lang="sv-SE" dirty="0"/>
+              <a:t> features like </a:t>
+            </a:r>
+            <a:r>
+              <a:rPr lang="sv-SE" dirty="0" err="1"/>
+              <a:t>user</a:t>
+            </a:r>
+            <a:r>
+              <a:rPr lang="sv-SE" dirty="0"/>
+              <a:t> interfaces or internet </a:t>
+            </a:r>
+            <a:r>
+              <a:rPr lang="sv-SE" dirty="0" err="1"/>
+              <a:t>of</a:t>
+            </a:r>
+            <a:r>
+              <a:rPr lang="sv-SE" dirty="0"/>
+              <a:t> </a:t>
+            </a:r>
+            <a:r>
+              <a:rPr lang="sv-SE" dirty="0" err="1"/>
+              <a:t>things</a:t>
+            </a:r>
+            <a:r>
+              <a:rPr lang="sv-SE" dirty="0"/>
+              <a:t> </a:t>
+            </a:r>
+            <a:r>
+              <a:rPr lang="sv-SE" dirty="0" err="1"/>
+              <a:t>connectivity</a:t>
+            </a:r>
+            <a:r>
+              <a:rPr lang="sv-SE" dirty="0"/>
+              <a:t>.</a:t>
+            </a:r>
           </a:p>
         </p:txBody>
       </p:sp>
@@ -2857,10 +3132,162 @@
             <p:ph type="body" sz="quarter" idx="16"/>
           </p:nvPr>
         </p:nvSpPr>
-        <p:spPr/>
+        <p:spPr>
+          <a:xfrm>
+            <a:off x="1106425" y="21905399"/>
+            <a:ext cx="10474349" cy="2614714"/>
+          </a:xfrm>
+        </p:spPr>
         <p:txBody>
           <a:bodyPr/>
           <a:lstStyle/>
+          <a:p>
+            <a:r>
+              <a:rPr lang="sv-SE" dirty="0"/>
+              <a:t>The </a:t>
+            </a:r>
+            <a:r>
+              <a:rPr lang="sv-SE" dirty="0" err="1"/>
+              <a:t>formulas</a:t>
+            </a:r>
+            <a:r>
+              <a:rPr lang="sv-SE" dirty="0"/>
+              <a:t> for the </a:t>
+            </a:r>
+            <a:r>
+              <a:rPr lang="sv-SE" dirty="0" err="1"/>
+              <a:t>model</a:t>
+            </a:r>
+            <a:r>
+              <a:rPr lang="sv-SE" dirty="0"/>
+              <a:t> </a:t>
+            </a:r>
+            <a:r>
+              <a:rPr lang="sv-SE" dirty="0" err="1"/>
+              <a:t>are</a:t>
+            </a:r>
+            <a:r>
+              <a:rPr lang="sv-SE" dirty="0"/>
+              <a:t> </a:t>
+            </a:r>
+            <a:r>
+              <a:rPr lang="sv-SE" dirty="0" err="1"/>
+              <a:t>based</a:t>
+            </a:r>
+            <a:r>
+              <a:rPr lang="sv-SE" dirty="0"/>
+              <a:t> on the </a:t>
+            </a:r>
+            <a:r>
+              <a:rPr lang="sv-SE" dirty="0" err="1"/>
+              <a:t>energy</a:t>
+            </a:r>
+            <a:r>
+              <a:rPr lang="sv-SE" dirty="0"/>
+              <a:t> </a:t>
+            </a:r>
+            <a:r>
+              <a:rPr lang="sv-SE" dirty="0" err="1"/>
+              <a:t>balance</a:t>
+            </a:r>
+            <a:r>
+              <a:rPr lang="sv-SE" dirty="0"/>
+              <a:t> off the system. </a:t>
+            </a:r>
+          </a:p>
+          <a:p>
+            <a:endParaRPr lang="sv-SE" dirty="0"/>
+          </a:p>
+          <a:p>
+            <a:r>
+              <a:rPr lang="sv-SE" dirty="0" err="1"/>
+              <a:t>Q</a:t>
+            </a:r>
+            <a:r>
+              <a:rPr lang="sv-SE" baseline="-25000" dirty="0" err="1"/>
+              <a:t>accumulation</a:t>
+            </a:r>
+            <a:r>
+              <a:rPr lang="sv-SE" baseline="-25000" dirty="0"/>
+              <a:t> </a:t>
+            </a:r>
+            <a:r>
+              <a:rPr lang="sv-SE" dirty="0"/>
+              <a:t>= </a:t>
+            </a:r>
+            <a:r>
+              <a:rPr lang="sv-SE" dirty="0" err="1"/>
+              <a:t>Q</a:t>
+            </a:r>
+            <a:r>
+              <a:rPr lang="sv-SE" baseline="-25000" dirty="0" err="1"/>
+              <a:t>element</a:t>
+            </a:r>
+            <a:r>
+              <a:rPr lang="sv-SE" baseline="-25000" dirty="0"/>
+              <a:t> </a:t>
+            </a:r>
+            <a:r>
+              <a:rPr lang="sv-SE" dirty="0"/>
+              <a:t>+ </a:t>
+            </a:r>
+            <a:r>
+              <a:rPr lang="sv-SE" dirty="0" err="1"/>
+              <a:t>Q</a:t>
+            </a:r>
+            <a:r>
+              <a:rPr lang="sv-SE" baseline="-25000" dirty="0" err="1"/>
+              <a:t>pump</a:t>
+            </a:r>
+            <a:r>
+              <a:rPr lang="sv-SE" baseline="-25000" dirty="0"/>
+              <a:t> </a:t>
+            </a:r>
+            <a:r>
+              <a:rPr lang="sv-SE" dirty="0"/>
+              <a:t>- </a:t>
+            </a:r>
+            <a:r>
+              <a:rPr lang="sv-SE" dirty="0" err="1"/>
+              <a:t>Q</a:t>
+            </a:r>
+            <a:r>
+              <a:rPr lang="sv-SE" baseline="-25000" dirty="0" err="1"/>
+              <a:t>jacket</a:t>
+            </a:r>
+            <a:r>
+              <a:rPr lang="sv-SE" baseline="-25000" dirty="0"/>
+              <a:t> </a:t>
+            </a:r>
+            <a:r>
+              <a:rPr lang="sv-SE" dirty="0"/>
+              <a:t>- </a:t>
+            </a:r>
+            <a:r>
+              <a:rPr lang="sv-SE" dirty="0" err="1"/>
+              <a:t>Q</a:t>
+            </a:r>
+            <a:r>
+              <a:rPr lang="sv-SE" baseline="-25000" dirty="0" err="1"/>
+              <a:t>food</a:t>
+            </a:r>
+            <a:r>
+              <a:rPr lang="sv-SE" dirty="0"/>
+              <a:t> </a:t>
+            </a:r>
+          </a:p>
+          <a:p>
+            <a:r>
+              <a:rPr lang="sv-SE" dirty="0"/>
+              <a:t> </a:t>
+            </a:r>
+          </a:p>
+          <a:p>
+            <a:r>
+              <a:rPr lang="sv-SE" dirty="0"/>
+              <a:t> </a:t>
+            </a:r>
+          </a:p>
           <a:p>
             <a:endParaRPr lang="sv-SE" dirty="0"/>
           </a:p>
@@ -2876,7 +3303,12 @@
             <p:ph type="body" sz="quarter" idx="25"/>
           </p:nvPr>
         </p:nvSpPr>
-        <p:spPr/>
+        <p:spPr>
+          <a:xfrm>
+            <a:off x="12746128" y="9602523"/>
+            <a:ext cx="4900612" cy="752704"/>
+          </a:xfrm>
+        </p:spPr>
         <p:txBody>
           <a:bodyPr/>
           <a:lstStyle/>
@@ -2903,7 +3335,12 @@
             <p:ph type="body" sz="quarter" idx="26"/>
           </p:nvPr>
         </p:nvSpPr>
-        <p:spPr/>
+        <p:spPr>
+          <a:xfrm>
+            <a:off x="3992537" y="21117932"/>
+            <a:ext cx="5956361" cy="877451"/>
+          </a:xfrm>
+        </p:spPr>
         <p:txBody>
           <a:bodyPr/>
           <a:lstStyle/>
@@ -2948,138 +3385,6 @@
               <a:rPr lang="sv-SE" dirty="0"/>
               <a:t>. </a:t>
             </a:r>
-          </a:p>
-        </p:txBody>
-      </p:sp>
-      <p:sp>
-        <p:nvSpPr>
-          <p:cNvPr id="26" name="Content Placeholder 13"/>
-          <p:cNvSpPr>
-            <a:spLocks noGrp="1"/>
-          </p:cNvSpPr>
-          <p:nvPr>
-            <p:ph sz="quarter" idx="15"/>
-          </p:nvPr>
-        </p:nvSpPr>
-        <p:spPr>
-          <a:xfrm>
-            <a:off x="1146529" y="19802481"/>
-            <a:ext cx="8738456" cy="4249313"/>
-          </a:xfrm>
-        </p:spPr>
-        <p:txBody>
-          <a:bodyPr/>
-          <a:lstStyle/>
-          <a:p>
-            <a:endParaRPr lang="sv-SE" dirty="0"/>
-          </a:p>
-        </p:txBody>
-      </p:sp>
-      <p:pic>
-        <p:nvPicPr>
-          <p:cNvPr id="5" name="Platshållare för innehåll 4"/>
-          <p:cNvPicPr>
-            <a:picLocks noGrp="1" noChangeAspect="1"/>
-          </p:cNvPicPr>
-          <p:nvPr>
-            <p:ph sz="quarter" idx="23"/>
-          </p:nvPr>
-        </p:nvPicPr>
-        <p:blipFill>
-          <a:blip r:embed="rId3"/>
-          <a:stretch>
-            <a:fillRect/>
-          </a:stretch>
-        </p:blipFill>
-        <p:spPr>
-          <a:xfrm>
-            <a:off x="15849600" y="25006834"/>
-            <a:ext cx="8371298" cy="7260706"/>
-          </a:xfrm>
-        </p:spPr>
-      </p:pic>
-      <p:sp>
-        <p:nvSpPr>
-          <p:cNvPr id="28" name="Content Placeholder 6"/>
-          <p:cNvSpPr>
-            <a:spLocks noGrp="1"/>
-          </p:cNvSpPr>
-          <p:nvPr>
-            <p:ph sz="quarter" idx="22"/>
-          </p:nvPr>
-        </p:nvSpPr>
-        <p:spPr>
-          <a:xfrm>
-            <a:off x="10301713" y="10913116"/>
-            <a:ext cx="13735686" cy="13138680"/>
-          </a:xfrm>
-        </p:spPr>
-        <p:txBody>
-          <a:bodyPr/>
-          <a:lstStyle/>
-          <a:p>
-            <a:r>
-              <a:rPr lang="sv-SE" dirty="0"/>
-              <a:t>System </a:t>
-            </a:r>
-            <a:r>
-              <a:rPr lang="sv-SE" dirty="0" err="1"/>
-              <a:t>Identification</a:t>
-            </a:r>
-            <a:r>
-              <a:rPr lang="sv-SE" dirty="0"/>
-              <a:t> – tests </a:t>
-            </a:r>
-            <a:r>
-              <a:rPr lang="sv-SE" dirty="0" err="1"/>
-              <a:t>based</a:t>
-            </a:r>
-            <a:r>
-              <a:rPr lang="sv-SE" dirty="0"/>
-              <a:t> on </a:t>
-            </a:r>
-            <a:r>
-              <a:rPr lang="sv-SE" dirty="0" err="1"/>
-              <a:t>our</a:t>
-            </a:r>
-            <a:r>
-              <a:rPr lang="sv-SE" dirty="0"/>
-              <a:t> </a:t>
-            </a:r>
-            <a:r>
-              <a:rPr lang="sv-SE" dirty="0" err="1"/>
-              <a:t>model</a:t>
-            </a:r>
-            <a:br>
-              <a:rPr lang="sv-SE" dirty="0"/>
-            </a:br>
-            <a:r>
-              <a:rPr lang="sv-SE" dirty="0" err="1"/>
-              <a:t>Model</a:t>
-            </a:r>
-            <a:r>
-              <a:rPr lang="sv-SE" dirty="0"/>
-              <a:t> </a:t>
-            </a:r>
-            <a:r>
-              <a:rPr lang="sv-SE" dirty="0" err="1"/>
-              <a:t>based</a:t>
-            </a:r>
-            <a:r>
-              <a:rPr lang="sv-SE" dirty="0"/>
-              <a:t> </a:t>
-            </a:r>
-            <a:r>
-              <a:rPr lang="sv-SE" dirty="0" err="1"/>
-              <a:t>testing</a:t>
-            </a:r>
-            <a:r>
-              <a:rPr lang="sv-SE"/>
-              <a:t>?</a:t>
-            </a:r>
-          </a:p>
-          <a:p>
-            <a:endParaRPr lang="sv-SE" dirty="0"/>
           </a:p>
         </p:txBody>
       </p:sp>
@@ -3095,7 +3400,7 @@
         </p:nvSpPr>
         <p:spPr>
           <a:xfrm>
-            <a:off x="1164168" y="8885339"/>
+            <a:off x="1164169" y="7062467"/>
             <a:ext cx="22873230" cy="1247145"/>
           </a:xfrm>
         </p:spPr>
@@ -3104,133 +3409,582 @@
           <a:lstStyle/>
           <a:p>
             <a:r>
-              <a:rPr lang="sv-SE" dirty="0"/>
-              <a:t>Control </a:t>
-            </a:r>
-            <a:r>
-              <a:rPr lang="sv-SE" dirty="0" err="1"/>
-              <a:t>of</a:t>
-            </a:r>
-            <a:r>
-              <a:rPr lang="sv-SE" dirty="0"/>
-              <a:t> </a:t>
-            </a:r>
-            <a:r>
-              <a:rPr lang="sv-SE" dirty="0" err="1"/>
-              <a:t>both</a:t>
-            </a:r>
-            <a:r>
-              <a:rPr lang="sv-SE" dirty="0"/>
-              <a:t> the pump and the </a:t>
-            </a:r>
-            <a:r>
-              <a:rPr lang="sv-SE" dirty="0" err="1"/>
-              <a:t>heating</a:t>
-            </a:r>
-            <a:r>
-              <a:rPr lang="sv-SE" dirty="0"/>
-              <a:t> element</a:t>
+              <a:rPr lang="sv-SE" dirty="0" err="1"/>
+              <a:t>Cooking</a:t>
+            </a:r>
+            <a:r>
+              <a:rPr lang="sv-SE" dirty="0"/>
+              <a:t> the </a:t>
+            </a:r>
+            <a:r>
+              <a:rPr lang="sv-SE" dirty="0" err="1"/>
+              <a:t>perfect</a:t>
+            </a:r>
+            <a:r>
+              <a:rPr lang="sv-SE" dirty="0"/>
+              <a:t> eggs</a:t>
             </a:r>
           </a:p>
         </p:txBody>
       </p:sp>
-    </p:spTree>
-    <p:extLst>
-      <p:ext uri="{BB962C8B-B14F-4D97-AF65-F5344CB8AC3E}">
-        <p14:creationId xmlns:p14="http://schemas.microsoft.com/office/powerpoint/2010/main" val="2300307345"/>
-      </p:ext>
-    </p:extLst>
-  </p:cSld>
-  <p:clrMapOvr>
-    <a:masterClrMapping/>
-  </p:clrMapOvr>
-</p:sld>
-</file>
-
-<file path=ppt/slides/slide2.xml><?xml version="1.0" encoding="utf-8"?>
-<p:sld xmlns:a="http://schemas.openxmlformats.org/drawingml/2006/main" xmlns:r="http://schemas.openxmlformats.org/officeDocument/2006/relationships" xmlns:p="http://schemas.openxmlformats.org/presentationml/2006/main">
-  <p:cSld>
-    <p:spTree>
-      <p:nvGrpSpPr>
-        <p:cNvPr id="1" name=""/>
-        <p:cNvGrpSpPr/>
-        <p:nvPr/>
-      </p:nvGrpSpPr>
-      <p:grpSpPr>
-        <a:xfrm>
-          <a:off x="0" y="0"/>
-          <a:ext cx="0" cy="0"/>
-          <a:chOff x="0" y="0"/>
-          <a:chExt cx="0" cy="0"/>
-        </a:xfrm>
-      </p:grpSpPr>
-      <p:sp>
-        <p:nvSpPr>
-          <p:cNvPr id="60" name="Rektangel 59"/>
-          <p:cNvSpPr/>
-          <p:nvPr/>
-        </p:nvSpPr>
-        <p:spPr>
-          <a:xfrm>
-            <a:off x="6357552" y="10302993"/>
-            <a:ext cx="12053540" cy="7070607"/>
+      <p:pic>
+        <p:nvPicPr>
+          <p:cNvPr id="40" name="Platshållare för innehåll 39"/>
+          <p:cNvPicPr>
+            <a:picLocks noGrp="1" noChangeAspect="1"/>
+          </p:cNvPicPr>
+          <p:nvPr>
+            <p:ph sz="quarter" idx="15"/>
+          </p:nvPr>
+        </p:nvPicPr>
+        <p:blipFill>
+          <a:blip r:embed="rId3"/>
+          <a:stretch>
+            <a:fillRect/>
+          </a:stretch>
+        </p:blipFill>
+        <p:spPr>
+          <a:xfrm>
+            <a:off x="2963474" y="17108155"/>
+            <a:ext cx="7419392" cy="3912648"/>
           </a:xfrm>
           <a:prstGeom prst="rect">
             <a:avLst/>
           </a:prstGeom>
-          <a:noFill/>
-          <a:ln>
-            <a:solidFill>
-              <a:schemeClr val="tx2"/>
-            </a:solidFill>
-            <a:prstDash val="lgDash"/>
-          </a:ln>
-        </p:spPr>
-        <p:style>
-          <a:lnRef idx="1">
-            <a:schemeClr val="accent1"/>
-          </a:lnRef>
-          <a:fillRef idx="3">
-            <a:schemeClr val="accent1"/>
-          </a:fillRef>
-          <a:effectRef idx="2">
-            <a:schemeClr val="accent1"/>
-          </a:effectRef>
-          <a:fontRef idx="minor">
-            <a:schemeClr val="lt1"/>
-          </a:fontRef>
-        </p:style>
+        </p:spPr>
+      </p:pic>
+      <p:sp>
+        <p:nvSpPr>
+          <p:cNvPr id="47" name="Text Placeholder 12"/>
+          <p:cNvSpPr>
+            <a:spLocks noGrp="1"/>
+          </p:cNvSpPr>
+          <p:nvPr>
+            <p:ph type="body" sz="quarter" idx="25"/>
+          </p:nvPr>
+        </p:nvSpPr>
+        <p:spPr>
+          <a:xfrm>
+            <a:off x="1164169" y="16303829"/>
+            <a:ext cx="6005140" cy="922353"/>
+          </a:xfrm>
+        </p:spPr>
         <p:txBody>
-          <a:bodyPr rtlCol="0" anchor="ctr"/>
+          <a:bodyPr/>
           <a:lstStyle/>
           <a:p>
-            <a:pPr algn="ctr"/>
-            <a:endParaRPr lang="sv-SE"/>
+            <a:r>
+              <a:rPr lang="en-029" dirty="0"/>
+              <a:t>Model</a:t>
+            </a:r>
+            <a:r>
+              <a:rPr lang="sv-SE" dirty="0"/>
+              <a:t> </a:t>
+            </a:r>
+            <a:r>
+              <a:rPr lang="en-US" dirty="0"/>
+              <a:t>of</a:t>
+            </a:r>
+            <a:r>
+              <a:rPr lang="sv-SE" dirty="0"/>
+              <a:t> the system</a:t>
+            </a:r>
           </a:p>
         </p:txBody>
       </p:sp>
       <p:sp>
         <p:nvSpPr>
-          <p:cNvPr id="4" name="Platshållare för text 3"/>
+          <p:cNvPr id="50" name="Platshållare för innehåll 38"/>
           <p:cNvSpPr>
             <a:spLocks noGrp="1"/>
           </p:cNvSpPr>
           <p:nvPr>
-            <p:ph type="body" sz="quarter" idx="13"/>
+            <p:ph sz="quarter" idx="23"/>
           </p:nvPr>
         </p:nvSpPr>
-        <p:spPr/>
+        <p:spPr>
+          <a:xfrm>
+            <a:off x="12746128" y="10345837"/>
+            <a:ext cx="11291271" cy="3333740"/>
+          </a:xfrm>
+        </p:spPr>
         <p:txBody>
           <a:bodyPr/>
           <a:lstStyle/>
           <a:p>
-            <a:endParaRPr lang="sv-SE"/>
+            <a:pPr algn="just"/>
+            <a:r>
+              <a:rPr lang="sv-SE" dirty="0" err="1"/>
+              <a:t>Based</a:t>
+            </a:r>
+            <a:r>
+              <a:rPr lang="sv-SE" dirty="0"/>
+              <a:t> on </a:t>
+            </a:r>
+            <a:r>
+              <a:rPr lang="sv-SE" dirty="0" err="1"/>
+              <a:t>formulas</a:t>
+            </a:r>
+            <a:r>
+              <a:rPr lang="sv-SE" dirty="0"/>
+              <a:t>, a </a:t>
+            </a:r>
+            <a:r>
+              <a:rPr lang="sv-SE" dirty="0" err="1"/>
+              <a:t>first</a:t>
+            </a:r>
+            <a:r>
+              <a:rPr lang="sv-SE" dirty="0"/>
+              <a:t> </a:t>
+            </a:r>
+            <a:r>
+              <a:rPr lang="sv-SE" dirty="0" err="1"/>
+              <a:t>model</a:t>
+            </a:r>
+            <a:r>
+              <a:rPr lang="sv-SE" dirty="0"/>
+              <a:t> </a:t>
+            </a:r>
+            <a:r>
+              <a:rPr lang="sv-SE" dirty="0" err="1"/>
+              <a:t>was</a:t>
+            </a:r>
+            <a:r>
+              <a:rPr lang="sv-SE" dirty="0"/>
+              <a:t> </a:t>
+            </a:r>
+            <a:r>
+              <a:rPr lang="sv-SE" dirty="0" err="1"/>
+              <a:t>created</a:t>
+            </a:r>
+            <a:r>
+              <a:rPr lang="sv-SE" dirty="0"/>
+              <a:t>. </a:t>
+            </a:r>
+            <a:r>
+              <a:rPr lang="sv-SE" dirty="0" err="1"/>
+              <a:t>Measurements</a:t>
+            </a:r>
+            <a:r>
+              <a:rPr lang="sv-SE" dirty="0"/>
+              <a:t> </a:t>
+            </a:r>
+            <a:r>
+              <a:rPr lang="sv-SE" dirty="0" err="1"/>
+              <a:t>of</a:t>
+            </a:r>
+            <a:r>
+              <a:rPr lang="sv-SE" dirty="0"/>
+              <a:t> the system </a:t>
+            </a:r>
+            <a:r>
+              <a:rPr lang="sv-SE" dirty="0" err="1"/>
+              <a:t>were</a:t>
+            </a:r>
+            <a:r>
+              <a:rPr lang="sv-SE" dirty="0"/>
+              <a:t> </a:t>
+            </a:r>
+            <a:r>
+              <a:rPr lang="sv-SE" dirty="0" err="1"/>
+              <a:t>then</a:t>
+            </a:r>
+            <a:r>
+              <a:rPr lang="sv-SE" dirty="0"/>
+              <a:t> </a:t>
+            </a:r>
+            <a:r>
+              <a:rPr lang="sv-SE" dirty="0" err="1"/>
+              <a:t>used</a:t>
+            </a:r>
+            <a:r>
+              <a:rPr lang="sv-SE" dirty="0"/>
+              <a:t> to </a:t>
+            </a:r>
+            <a:r>
+              <a:rPr lang="sv-SE" dirty="0" err="1"/>
+              <a:t>improve</a:t>
+            </a:r>
+            <a:r>
+              <a:rPr lang="sv-SE" dirty="0"/>
+              <a:t> the </a:t>
+            </a:r>
+            <a:r>
+              <a:rPr lang="sv-SE" dirty="0" err="1"/>
+              <a:t>model</a:t>
+            </a:r>
+            <a:r>
+              <a:rPr lang="sv-SE" dirty="0"/>
+              <a:t>. </a:t>
+            </a:r>
+          </a:p>
+          <a:p>
+            <a:pPr algn="just"/>
+            <a:r>
+              <a:rPr lang="sv-SE" dirty="0"/>
+              <a:t>The </a:t>
+            </a:r>
+            <a:r>
+              <a:rPr lang="sv-SE" dirty="0" err="1"/>
+              <a:t>model</a:t>
+            </a:r>
+            <a:r>
+              <a:rPr lang="sv-SE" dirty="0"/>
+              <a:t> and the controller </a:t>
+            </a:r>
+            <a:r>
+              <a:rPr lang="sv-SE" dirty="0" err="1"/>
+              <a:t>were</a:t>
+            </a:r>
+            <a:r>
+              <a:rPr lang="sv-SE" dirty="0"/>
+              <a:t> </a:t>
+            </a:r>
+            <a:r>
+              <a:rPr lang="sv-SE" dirty="0" err="1"/>
+              <a:t>combined</a:t>
+            </a:r>
+            <a:r>
+              <a:rPr lang="sv-SE" dirty="0"/>
+              <a:t> to </a:t>
+            </a:r>
+            <a:r>
+              <a:rPr lang="sv-SE" dirty="0" err="1"/>
+              <a:t>simulate</a:t>
+            </a:r>
+            <a:r>
+              <a:rPr lang="sv-SE" dirty="0"/>
+              <a:t> the system in </a:t>
+            </a:r>
+            <a:r>
+              <a:rPr lang="sv-SE" dirty="0" err="1"/>
+              <a:t>Simulink</a:t>
+            </a:r>
+            <a:r>
+              <a:rPr lang="sv-SE" dirty="0"/>
+              <a:t>. </a:t>
+            </a:r>
           </a:p>
         </p:txBody>
       </p:sp>
+      <p:pic>
+        <p:nvPicPr>
+          <p:cNvPr id="48" name="Bildobjekt 47"/>
+          <p:cNvPicPr>
+            <a:picLocks noChangeAspect="1"/>
+          </p:cNvPicPr>
+          <p:nvPr/>
+        </p:nvPicPr>
+        <p:blipFill>
+          <a:blip r:embed="rId4"/>
+          <a:stretch>
+            <a:fillRect/>
+          </a:stretch>
+        </p:blipFill>
+        <p:spPr>
+          <a:xfrm>
+            <a:off x="12699182" y="13679577"/>
+            <a:ext cx="11406365" cy="5783509"/>
+          </a:xfrm>
+          <a:prstGeom prst="rect">
+            <a:avLst/>
+          </a:prstGeom>
+        </p:spPr>
+      </p:pic>
       <p:sp>
         <p:nvSpPr>
-          <p:cNvPr id="6" name="Platshållare för text 5"/>
+          <p:cNvPr id="54" name="Platshållare för innehåll 38"/>
+          <p:cNvSpPr>
+            <a:spLocks noGrp="1"/>
+          </p:cNvSpPr>
+          <p:nvPr>
+            <p:ph sz="quarter" idx="23"/>
+          </p:nvPr>
+        </p:nvSpPr>
+        <p:spPr>
+          <a:xfrm>
+            <a:off x="12746128" y="20242228"/>
+            <a:ext cx="11463049" cy="4050410"/>
+          </a:xfrm>
+        </p:spPr>
+        <p:txBody>
+          <a:bodyPr/>
+          <a:lstStyle/>
+          <a:p>
+            <a:pPr algn="just"/>
+            <a:r>
+              <a:rPr lang="sv-SE" dirty="0"/>
+              <a:t>The </a:t>
+            </a:r>
+            <a:r>
+              <a:rPr lang="sv-SE" dirty="0" err="1"/>
+              <a:t>modelled</a:t>
+            </a:r>
+            <a:r>
+              <a:rPr lang="sv-SE" dirty="0"/>
+              <a:t> system and the real </a:t>
+            </a:r>
+            <a:r>
+              <a:rPr lang="sv-SE" dirty="0" err="1"/>
+              <a:t>water</a:t>
+            </a:r>
+            <a:r>
+              <a:rPr lang="sv-SE" dirty="0"/>
+              <a:t> </a:t>
+            </a:r>
+            <a:r>
+              <a:rPr lang="sv-SE" dirty="0" err="1"/>
+              <a:t>bath</a:t>
+            </a:r>
+            <a:r>
+              <a:rPr lang="sv-SE" dirty="0"/>
+              <a:t> </a:t>
+            </a:r>
+            <a:r>
+              <a:rPr lang="sv-SE" dirty="0" err="1"/>
+              <a:t>were</a:t>
+            </a:r>
+            <a:r>
+              <a:rPr lang="sv-SE" dirty="0"/>
+              <a:t> </a:t>
+            </a:r>
+            <a:r>
+              <a:rPr lang="sv-SE" dirty="0" err="1"/>
+              <a:t>analyzed</a:t>
+            </a:r>
+            <a:r>
+              <a:rPr lang="sv-SE" dirty="0"/>
+              <a:t> in terms </a:t>
+            </a:r>
+            <a:r>
+              <a:rPr lang="sv-SE" dirty="0" err="1"/>
+              <a:t>of</a:t>
+            </a:r>
+            <a:r>
+              <a:rPr lang="sv-SE" dirty="0"/>
+              <a:t> </a:t>
+            </a:r>
+            <a:r>
+              <a:rPr lang="sv-SE" dirty="0" err="1"/>
+              <a:t>their</a:t>
+            </a:r>
+            <a:r>
+              <a:rPr lang="sv-SE" dirty="0"/>
+              <a:t> </a:t>
+            </a:r>
+            <a:r>
+              <a:rPr lang="sv-SE" dirty="0" err="1"/>
+              <a:t>reference</a:t>
+            </a:r>
+            <a:r>
+              <a:rPr lang="sv-SE" dirty="0"/>
+              <a:t> </a:t>
+            </a:r>
+            <a:r>
+              <a:rPr lang="sv-SE" dirty="0" err="1"/>
+              <a:t>tracking</a:t>
+            </a:r>
+            <a:r>
+              <a:rPr lang="sv-SE" dirty="0"/>
+              <a:t> </a:t>
+            </a:r>
+            <a:r>
+              <a:rPr lang="sv-SE" dirty="0" err="1"/>
+              <a:t>behaviour</a:t>
+            </a:r>
+            <a:r>
+              <a:rPr lang="sv-SE" dirty="0"/>
+              <a:t>. The </a:t>
+            </a:r>
+            <a:r>
+              <a:rPr lang="sv-SE" dirty="0" err="1"/>
+              <a:t>plot</a:t>
+            </a:r>
+            <a:r>
+              <a:rPr lang="sv-SE" dirty="0"/>
+              <a:t> shows </a:t>
+            </a:r>
+            <a:r>
+              <a:rPr lang="sv-SE" dirty="0" err="1"/>
+              <a:t>this</a:t>
+            </a:r>
+            <a:r>
+              <a:rPr lang="sv-SE" dirty="0"/>
+              <a:t> experiment </a:t>
+            </a:r>
+            <a:r>
+              <a:rPr lang="sv-SE" dirty="0" err="1"/>
+              <a:t>with</a:t>
+            </a:r>
+            <a:r>
+              <a:rPr lang="sv-SE" dirty="0"/>
+              <a:t> the </a:t>
+            </a:r>
+            <a:r>
+              <a:rPr lang="sv-SE" dirty="0" err="1"/>
+              <a:t>temperature</a:t>
+            </a:r>
+            <a:r>
+              <a:rPr lang="sv-SE" dirty="0"/>
+              <a:t> in the </a:t>
+            </a:r>
+            <a:r>
+              <a:rPr lang="sv-SE" dirty="0" err="1"/>
+              <a:t>upper</a:t>
+            </a:r>
+            <a:r>
+              <a:rPr lang="sv-SE" dirty="0"/>
+              <a:t> panel and the </a:t>
+            </a:r>
+            <a:r>
+              <a:rPr lang="sv-SE" dirty="0" err="1"/>
+              <a:t>power</a:t>
+            </a:r>
+            <a:r>
+              <a:rPr lang="sv-SE" dirty="0"/>
+              <a:t> input </a:t>
+            </a:r>
+            <a:r>
+              <a:rPr lang="sv-SE" dirty="0" err="1"/>
+              <a:t>into</a:t>
+            </a:r>
+            <a:r>
+              <a:rPr lang="sv-SE" dirty="0"/>
+              <a:t> the system in the </a:t>
+            </a:r>
+            <a:r>
+              <a:rPr lang="sv-SE" dirty="0" err="1"/>
+              <a:t>bottom</a:t>
+            </a:r>
+            <a:r>
+              <a:rPr lang="sv-SE" dirty="0"/>
+              <a:t> panel.</a:t>
+            </a:r>
+          </a:p>
+        </p:txBody>
+      </p:sp>
+      <p:pic>
+        <p:nvPicPr>
+          <p:cNvPr id="55" name="Bildobjekt 54"/>
+          <p:cNvPicPr>
+            <a:picLocks noChangeAspect="1"/>
+          </p:cNvPicPr>
+          <p:nvPr/>
+        </p:nvPicPr>
+        <p:blipFill>
+          <a:blip r:embed="rId5"/>
+          <a:stretch>
+            <a:fillRect/>
+          </a:stretch>
+        </p:blipFill>
+        <p:spPr>
+          <a:xfrm>
+            <a:off x="12746128" y="23173929"/>
+            <a:ext cx="11265328" cy="8742370"/>
+          </a:xfrm>
+          <a:prstGeom prst="rect">
+            <a:avLst/>
+          </a:prstGeom>
+        </p:spPr>
+      </p:pic>
+      <p:sp>
+        <p:nvSpPr>
+          <p:cNvPr id="56" name="Text Placeholder 12"/>
+          <p:cNvSpPr>
+            <a:spLocks noGrp="1"/>
+          </p:cNvSpPr>
+          <p:nvPr>
+            <p:ph type="body" sz="quarter" idx="25"/>
+          </p:nvPr>
+        </p:nvSpPr>
+        <p:spPr>
+          <a:xfrm>
+            <a:off x="12699182" y="19443584"/>
+            <a:ext cx="4900612" cy="752704"/>
+          </a:xfrm>
+        </p:spPr>
+        <p:txBody>
+          <a:bodyPr/>
+          <a:lstStyle/>
+          <a:p>
+            <a:r>
+              <a:rPr lang="sv-SE" dirty="0" err="1"/>
+              <a:t>Proof</a:t>
+            </a:r>
+            <a:r>
+              <a:rPr lang="sv-SE" dirty="0"/>
+              <a:t> </a:t>
+            </a:r>
+            <a:r>
+              <a:rPr lang="sv-SE" dirty="0" err="1"/>
+              <a:t>of</a:t>
+            </a:r>
+            <a:r>
+              <a:rPr lang="sv-SE" dirty="0"/>
+              <a:t> </a:t>
+            </a:r>
+            <a:r>
+              <a:rPr lang="sv-SE" dirty="0" err="1"/>
+              <a:t>concept</a:t>
+            </a:r>
+            <a:r>
+              <a:rPr lang="sv-SE" dirty="0"/>
+              <a:t> </a:t>
+            </a:r>
+          </a:p>
+        </p:txBody>
+      </p:sp>
+      <p:pic>
+        <p:nvPicPr>
+          <p:cNvPr id="53" name="Bildobjekt 52"/>
+          <p:cNvPicPr>
+            <a:picLocks noChangeAspect="1"/>
+          </p:cNvPicPr>
+          <p:nvPr/>
+        </p:nvPicPr>
+        <p:blipFill>
+          <a:blip r:embed="rId6"/>
+          <a:stretch>
+            <a:fillRect/>
+          </a:stretch>
+        </p:blipFill>
+        <p:spPr>
+          <a:xfrm>
+            <a:off x="6456145" y="18901330"/>
+            <a:ext cx="1828498" cy="1432324"/>
+          </a:xfrm>
+          <a:prstGeom prst="rect">
+            <a:avLst/>
+          </a:prstGeom>
+        </p:spPr>
+      </p:pic>
+      <p:pic>
+        <p:nvPicPr>
+          <p:cNvPr id="57" name="Bildobjekt 56"/>
+          <p:cNvPicPr>
+            <a:picLocks noChangeAspect="1"/>
+          </p:cNvPicPr>
+          <p:nvPr/>
+        </p:nvPicPr>
+        <p:blipFill>
+          <a:blip r:embed="rId7"/>
+          <a:stretch>
+            <a:fillRect/>
+          </a:stretch>
+        </p:blipFill>
+        <p:spPr>
+          <a:xfrm>
+            <a:off x="1681379" y="27684824"/>
+            <a:ext cx="8957099" cy="5038368"/>
+          </a:xfrm>
+          <a:prstGeom prst="rect">
+            <a:avLst/>
+          </a:prstGeom>
+        </p:spPr>
+      </p:pic>
+      <p:sp>
+        <p:nvSpPr>
+          <p:cNvPr id="61" name="Text Placeholder 10"/>
           <p:cNvSpPr>
             <a:spLocks noGrp="1"/>
           </p:cNvSpPr>
@@ -3238,18 +3992,86 @@
             <p:ph type="body" sz="quarter" idx="16"/>
           </p:nvPr>
         </p:nvSpPr>
-        <p:spPr/>
+        <p:spPr>
+          <a:xfrm>
+            <a:off x="1106425" y="26008034"/>
+            <a:ext cx="10107008" cy="1563416"/>
+          </a:xfrm>
+        </p:spPr>
         <p:txBody>
           <a:bodyPr/>
           <a:lstStyle/>
           <a:p>
-            <a:endParaRPr lang="sv-SE"/>
+            <a:r>
+              <a:rPr lang="sv-SE" dirty="0" err="1"/>
+              <a:t>This</a:t>
+            </a:r>
+            <a:r>
+              <a:rPr lang="sv-SE" dirty="0"/>
+              <a:t> </a:t>
+            </a:r>
+            <a:r>
+              <a:rPr lang="sv-SE" dirty="0" err="1"/>
+              <a:t>picture</a:t>
+            </a:r>
+            <a:r>
+              <a:rPr lang="sv-SE" dirty="0"/>
+              <a:t> shows the solid </a:t>
+            </a:r>
+            <a:r>
+              <a:rPr lang="sv-SE" dirty="0" err="1"/>
+              <a:t>state</a:t>
+            </a:r>
+            <a:r>
+              <a:rPr lang="sv-SE" dirty="0"/>
+              <a:t> </a:t>
+            </a:r>
+            <a:r>
+              <a:rPr lang="sv-SE" dirty="0" err="1"/>
+              <a:t>relay</a:t>
+            </a:r>
+            <a:r>
+              <a:rPr lang="sv-SE" dirty="0"/>
+              <a:t> </a:t>
+            </a:r>
+            <a:r>
+              <a:rPr lang="sv-SE" dirty="0" err="1"/>
+              <a:t>added</a:t>
+            </a:r>
+            <a:r>
+              <a:rPr lang="sv-SE" dirty="0"/>
+              <a:t> to the </a:t>
+            </a:r>
+            <a:r>
+              <a:rPr lang="sv-SE" dirty="0" err="1"/>
+              <a:t>heating</a:t>
+            </a:r>
+            <a:r>
+              <a:rPr lang="sv-SE" dirty="0"/>
+              <a:t> element </a:t>
+            </a:r>
+            <a:r>
+              <a:rPr lang="sv-SE" dirty="0" err="1"/>
+              <a:t>circuit</a:t>
+            </a:r>
+            <a:r>
+              <a:rPr lang="sv-SE" dirty="0"/>
+              <a:t>, in order to </a:t>
+            </a:r>
+            <a:r>
+              <a:rPr lang="sv-SE" dirty="0" err="1"/>
+              <a:t>control</a:t>
+            </a:r>
+            <a:r>
+              <a:rPr lang="sv-SE" dirty="0"/>
+              <a:t> it. </a:t>
+            </a:r>
           </a:p>
         </p:txBody>
       </p:sp>
       <p:sp>
         <p:nvSpPr>
-          <p:cNvPr id="10" name="Platshållare för text 9"/>
+          <p:cNvPr id="62" name="Text Placeholder 12"/>
           <p:cNvSpPr>
             <a:spLocks noGrp="1"/>
           </p:cNvSpPr>
@@ -3257,1050 +4079,35 @@
             <p:ph type="body" sz="quarter" idx="25"/>
           </p:nvPr>
         </p:nvSpPr>
-        <p:spPr/>
+        <p:spPr>
+          <a:xfrm>
+            <a:off x="1106423" y="25274550"/>
+            <a:ext cx="6954733" cy="922353"/>
+          </a:xfrm>
+        </p:spPr>
         <p:txBody>
           <a:bodyPr/>
           <a:lstStyle/>
           <a:p>
-            <a:endParaRPr lang="sv-SE"/>
-          </a:p>
-        </p:txBody>
-      </p:sp>
-      <p:sp>
-        <p:nvSpPr>
-          <p:cNvPr id="11" name="Platshållare för text 10"/>
-          <p:cNvSpPr>
-            <a:spLocks noGrp="1"/>
-          </p:cNvSpPr>
-          <p:nvPr>
-            <p:ph type="body" sz="quarter" idx="26"/>
-          </p:nvPr>
-        </p:nvSpPr>
-        <p:spPr/>
-        <p:txBody>
-          <a:bodyPr/>
-          <a:lstStyle/>
-          <a:p>
-            <a:endParaRPr lang="sv-SE"/>
-          </a:p>
-        </p:txBody>
-      </p:sp>
-      <p:sp>
-        <p:nvSpPr>
-          <p:cNvPr id="12" name="Platshållare för text 11"/>
-          <p:cNvSpPr>
-            <a:spLocks noGrp="1"/>
-          </p:cNvSpPr>
-          <p:nvPr>
-            <p:ph type="body" sz="quarter" idx="27"/>
-          </p:nvPr>
-        </p:nvSpPr>
-        <p:spPr/>
-        <p:txBody>
-          <a:bodyPr/>
-          <a:lstStyle/>
-          <a:p>
-            <a:endParaRPr lang="sv-SE"/>
-          </a:p>
-        </p:txBody>
-      </p:sp>
-      <p:sp>
-        <p:nvSpPr>
-          <p:cNvPr id="13" name="Platshållare för text 12"/>
-          <p:cNvSpPr>
-            <a:spLocks noGrp="1"/>
-          </p:cNvSpPr>
-          <p:nvPr>
-            <p:ph type="body" sz="quarter" idx="30"/>
-          </p:nvPr>
-        </p:nvSpPr>
-        <p:spPr/>
-        <p:txBody>
-          <a:bodyPr/>
-          <a:lstStyle/>
-          <a:p>
-            <a:endParaRPr lang="sv-SE"/>
-          </a:p>
-        </p:txBody>
-      </p:sp>
-      <p:sp>
-        <p:nvSpPr>
-          <p:cNvPr id="14" name="Rubrik 13"/>
-          <p:cNvSpPr>
-            <a:spLocks noGrp="1"/>
-          </p:cNvSpPr>
-          <p:nvPr>
-            <p:ph type="title"/>
-          </p:nvPr>
-        </p:nvSpPr>
-        <p:spPr/>
-        <p:txBody>
-          <a:bodyPr/>
-          <a:lstStyle/>
-          <a:p>
-            <a:endParaRPr lang="sv-SE"/>
-          </a:p>
-        </p:txBody>
-      </p:sp>
-      <p:sp>
-        <p:nvSpPr>
-          <p:cNvPr id="15" name="Rektangel 14"/>
-          <p:cNvSpPr/>
-          <p:nvPr/>
-        </p:nvSpPr>
-        <p:spPr>
-          <a:xfrm>
-            <a:off x="6792686" y="10678886"/>
-            <a:ext cx="11136085" cy="6237514"/>
-          </a:xfrm>
-          <a:prstGeom prst="rect">
-            <a:avLst/>
-          </a:prstGeom>
-          <a:solidFill>
-            <a:schemeClr val="accent1">
-              <a:lumMod val="40000"/>
-              <a:lumOff val="60000"/>
-            </a:schemeClr>
-          </a:solidFill>
-        </p:spPr>
-        <p:style>
-          <a:lnRef idx="1">
-            <a:schemeClr val="accent1"/>
-          </a:lnRef>
-          <a:fillRef idx="3">
-            <a:schemeClr val="accent1"/>
-          </a:fillRef>
-          <a:effectRef idx="2">
-            <a:schemeClr val="accent1"/>
-          </a:effectRef>
-          <a:fontRef idx="minor">
-            <a:schemeClr val="lt1"/>
-          </a:fontRef>
-        </p:style>
-        <p:txBody>
-          <a:bodyPr rtlCol="0" anchor="ctr"/>
-          <a:lstStyle/>
-          <a:p>
-            <a:pPr algn="ctr"/>
-            <a:endParaRPr lang="sv-SE"/>
-          </a:p>
-        </p:txBody>
-      </p:sp>
-      <p:sp>
-        <p:nvSpPr>
-          <p:cNvPr id="16" name="Rektangel 15"/>
-          <p:cNvSpPr/>
-          <p:nvPr/>
-        </p:nvSpPr>
-        <p:spPr>
-          <a:xfrm>
-            <a:off x="7298870" y="11217728"/>
-            <a:ext cx="10123715" cy="5159829"/>
-          </a:xfrm>
-          <a:prstGeom prst="rect">
-            <a:avLst/>
-          </a:prstGeom>
-          <a:solidFill>
-            <a:schemeClr val="bg2"/>
-          </a:solidFill>
-        </p:spPr>
-        <p:style>
-          <a:lnRef idx="1">
-            <a:schemeClr val="accent1"/>
-          </a:lnRef>
-          <a:fillRef idx="3">
-            <a:schemeClr val="accent1"/>
-          </a:fillRef>
-          <a:effectRef idx="2">
-            <a:schemeClr val="accent1"/>
-          </a:effectRef>
-          <a:fontRef idx="minor">
-            <a:schemeClr val="lt1"/>
-          </a:fontRef>
-        </p:style>
-        <p:txBody>
-          <a:bodyPr rtlCol="0" anchor="ctr"/>
-          <a:lstStyle/>
-          <a:p>
-            <a:pPr algn="ctr"/>
-            <a:endParaRPr lang="sv-SE"/>
-          </a:p>
-        </p:txBody>
-      </p:sp>
-      <p:sp>
-        <p:nvSpPr>
-          <p:cNvPr id="58" name="Rektangel 57"/>
-          <p:cNvSpPr/>
-          <p:nvPr/>
-        </p:nvSpPr>
-        <p:spPr>
-          <a:xfrm>
-            <a:off x="17426570" y="14722236"/>
-            <a:ext cx="506184" cy="475566"/>
-          </a:xfrm>
-          <a:prstGeom prst="rect">
-            <a:avLst/>
-          </a:prstGeom>
-          <a:solidFill>
-            <a:schemeClr val="bg2"/>
-          </a:solidFill>
-        </p:spPr>
-        <p:style>
-          <a:lnRef idx="1">
-            <a:schemeClr val="accent1"/>
-          </a:lnRef>
-          <a:fillRef idx="3">
-            <a:schemeClr val="accent1"/>
-          </a:fillRef>
-          <a:effectRef idx="2">
-            <a:schemeClr val="accent1"/>
-          </a:effectRef>
-          <a:fontRef idx="minor">
-            <a:schemeClr val="lt1"/>
-          </a:fontRef>
-        </p:style>
-        <p:txBody>
-          <a:bodyPr rtlCol="0" anchor="ctr"/>
-          <a:lstStyle/>
-          <a:p>
-            <a:pPr algn="ctr"/>
-            <a:endParaRPr lang="sv-SE" dirty="0"/>
-          </a:p>
-        </p:txBody>
-      </p:sp>
-      <p:pic>
-        <p:nvPicPr>
-          <p:cNvPr id="29" name="Platshållare för innehåll 28"/>
-          <p:cNvPicPr>
-            <a:picLocks noGrp="1" noChangeAspect="1"/>
-          </p:cNvPicPr>
-          <p:nvPr>
-            <p:ph sz="quarter" idx="23"/>
-          </p:nvPr>
-        </p:nvPicPr>
-        <p:blipFill>
-          <a:blip r:embed="rId2"/>
-          <a:stretch>
-            <a:fillRect/>
-          </a:stretch>
-        </p:blipFill>
-        <p:spPr>
-          <a:xfrm>
-            <a:off x="13385495" y="13469406"/>
-            <a:ext cx="3210531" cy="2635204"/>
-          </a:xfrm>
-        </p:spPr>
-      </p:pic>
-      <p:sp>
-        <p:nvSpPr>
-          <p:cNvPr id="28" name="textruta 27"/>
-          <p:cNvSpPr txBox="1"/>
-          <p:nvPr/>
-        </p:nvSpPr>
-        <p:spPr>
-          <a:xfrm>
-            <a:off x="2310506" y="11986809"/>
-            <a:ext cx="2416046" cy="646331"/>
-          </a:xfrm>
-          <a:prstGeom prst="rect">
-            <a:avLst/>
-          </a:prstGeom>
-          <a:noFill/>
-        </p:spPr>
-        <p:txBody>
-          <a:bodyPr wrap="none" rtlCol="0">
-            <a:spAutoFit/>
-          </a:bodyPr>
-          <a:lstStyle/>
-          <a:p>
-            <a:r>
-              <a:rPr lang="sv-SE" sz="3600" b="1" dirty="0">
-                <a:latin typeface="+mj-lt"/>
-              </a:rPr>
-              <a:t>Q element</a:t>
-            </a:r>
-          </a:p>
-        </p:txBody>
-      </p:sp>
-      <p:sp>
-        <p:nvSpPr>
-          <p:cNvPr id="30" name="textruta 29"/>
-          <p:cNvSpPr txBox="1"/>
-          <p:nvPr/>
-        </p:nvSpPr>
-        <p:spPr>
-          <a:xfrm>
-            <a:off x="9893054" y="13146240"/>
-            <a:ext cx="3365024" cy="646331"/>
-          </a:xfrm>
-          <a:prstGeom prst="rect">
-            <a:avLst/>
-          </a:prstGeom>
-          <a:noFill/>
-        </p:spPr>
-        <p:txBody>
-          <a:bodyPr wrap="none" rtlCol="0">
-            <a:spAutoFit/>
-          </a:bodyPr>
-          <a:lstStyle/>
-          <a:p>
-            <a:r>
-              <a:rPr lang="sv-SE" sz="3600" b="1" dirty="0">
-                <a:latin typeface="+mj-lt"/>
-              </a:rPr>
-              <a:t>Q </a:t>
-            </a:r>
-            <a:r>
-              <a:rPr lang="sv-SE" sz="3600" b="1" dirty="0" err="1">
-                <a:latin typeface="+mj-lt"/>
-              </a:rPr>
-              <a:t>accumlation</a:t>
-            </a:r>
-            <a:endParaRPr lang="sv-SE" sz="3600" b="1" dirty="0">
-              <a:latin typeface="+mj-lt"/>
-            </a:endParaRPr>
-          </a:p>
-        </p:txBody>
-      </p:sp>
-      <p:sp>
-        <p:nvSpPr>
-          <p:cNvPr id="31" name="textruta 30"/>
-          <p:cNvSpPr txBox="1"/>
-          <p:nvPr/>
-        </p:nvSpPr>
-        <p:spPr>
-          <a:xfrm>
-            <a:off x="19926300" y="14636854"/>
-            <a:ext cx="1672253" cy="646331"/>
-          </a:xfrm>
-          <a:prstGeom prst="rect">
-            <a:avLst/>
-          </a:prstGeom>
-          <a:noFill/>
-        </p:spPr>
-        <p:txBody>
-          <a:bodyPr wrap="none" rtlCol="0">
-            <a:spAutoFit/>
-          </a:bodyPr>
-          <a:lstStyle/>
-          <a:p>
-            <a:r>
-              <a:rPr lang="sv-SE" sz="3600" b="1" dirty="0">
-                <a:latin typeface="+mj-lt"/>
-              </a:rPr>
-              <a:t>Q </a:t>
-            </a:r>
-            <a:r>
-              <a:rPr lang="sv-SE" sz="3600" b="1" dirty="0" err="1">
-                <a:latin typeface="+mj-lt"/>
-              </a:rPr>
-              <a:t>food</a:t>
-            </a:r>
-            <a:endParaRPr lang="sv-SE" sz="3600" b="1" dirty="0">
-              <a:latin typeface="+mj-lt"/>
-            </a:endParaRPr>
-          </a:p>
-        </p:txBody>
-      </p:sp>
-      <p:sp>
-        <p:nvSpPr>
-          <p:cNvPr id="32" name="textruta 31"/>
-          <p:cNvSpPr txBox="1"/>
-          <p:nvPr/>
-        </p:nvSpPr>
-        <p:spPr>
-          <a:xfrm>
-            <a:off x="19930528" y="12139209"/>
-            <a:ext cx="1980029" cy="646331"/>
-          </a:xfrm>
-          <a:prstGeom prst="rect">
-            <a:avLst/>
-          </a:prstGeom>
-          <a:noFill/>
-        </p:spPr>
-        <p:txBody>
-          <a:bodyPr wrap="none" rtlCol="0">
-            <a:spAutoFit/>
-          </a:bodyPr>
-          <a:lstStyle/>
-          <a:p>
-            <a:r>
-              <a:rPr lang="sv-SE" sz="3600" b="1" dirty="0">
-                <a:latin typeface="+mj-lt"/>
-              </a:rPr>
-              <a:t>Q jacket</a:t>
-            </a:r>
-          </a:p>
-        </p:txBody>
-      </p:sp>
-      <p:sp>
-        <p:nvSpPr>
-          <p:cNvPr id="34" name="Rektangel 33"/>
-          <p:cNvSpPr/>
-          <p:nvPr/>
-        </p:nvSpPr>
-        <p:spPr>
-          <a:xfrm>
-            <a:off x="6792686" y="12309974"/>
-            <a:ext cx="506184" cy="475566"/>
-          </a:xfrm>
-          <a:prstGeom prst="rect">
-            <a:avLst/>
-          </a:prstGeom>
-          <a:solidFill>
-            <a:schemeClr val="bg2"/>
-          </a:solidFill>
-        </p:spPr>
-        <p:style>
-          <a:lnRef idx="1">
-            <a:schemeClr val="accent1"/>
-          </a:lnRef>
-          <a:fillRef idx="3">
-            <a:schemeClr val="accent1"/>
-          </a:fillRef>
-          <a:effectRef idx="2">
-            <a:schemeClr val="accent1"/>
-          </a:effectRef>
-          <a:fontRef idx="minor">
-            <a:schemeClr val="lt1"/>
-          </a:fontRef>
-        </p:style>
-        <p:txBody>
-          <a:bodyPr rtlCol="0" anchor="ctr"/>
-          <a:lstStyle/>
-          <a:p>
-            <a:pPr algn="ctr"/>
-            <a:endParaRPr lang="sv-SE"/>
-          </a:p>
-        </p:txBody>
-      </p:sp>
-      <p:sp>
-        <p:nvSpPr>
-          <p:cNvPr id="33" name="textruta 32"/>
-          <p:cNvSpPr txBox="1"/>
-          <p:nvPr/>
-        </p:nvSpPr>
-        <p:spPr>
-          <a:xfrm>
-            <a:off x="2462906" y="14208554"/>
-            <a:ext cx="1928733" cy="646331"/>
-          </a:xfrm>
-          <a:prstGeom prst="rect">
-            <a:avLst/>
-          </a:prstGeom>
-          <a:noFill/>
-        </p:spPr>
-        <p:txBody>
-          <a:bodyPr wrap="none" rtlCol="0">
-            <a:spAutoFit/>
-          </a:bodyPr>
-          <a:lstStyle/>
-          <a:p>
-            <a:r>
-              <a:rPr lang="sv-SE" sz="3600" b="1" dirty="0">
-                <a:latin typeface="+mj-lt"/>
-              </a:rPr>
-              <a:t>Q pump</a:t>
-            </a:r>
-          </a:p>
-        </p:txBody>
-      </p:sp>
-      <p:sp>
-        <p:nvSpPr>
-          <p:cNvPr id="59" name="Rektangel 58"/>
-          <p:cNvSpPr/>
-          <p:nvPr/>
-        </p:nvSpPr>
-        <p:spPr>
-          <a:xfrm>
-            <a:off x="17422587" y="12485758"/>
-            <a:ext cx="506184" cy="475566"/>
-          </a:xfrm>
-          <a:prstGeom prst="rect">
-            <a:avLst/>
-          </a:prstGeom>
-          <a:solidFill>
-            <a:schemeClr val="bg2"/>
-          </a:solidFill>
-        </p:spPr>
-        <p:style>
-          <a:lnRef idx="1">
-            <a:schemeClr val="accent1"/>
-          </a:lnRef>
-          <a:fillRef idx="3">
-            <a:schemeClr val="accent1"/>
-          </a:fillRef>
-          <a:effectRef idx="2">
-            <a:schemeClr val="accent1"/>
-          </a:effectRef>
-          <a:fontRef idx="minor">
-            <a:schemeClr val="lt1"/>
-          </a:fontRef>
-        </p:style>
-        <p:txBody>
-          <a:bodyPr rtlCol="0" anchor="ctr"/>
-          <a:lstStyle/>
-          <a:p>
-            <a:pPr algn="ctr"/>
-            <a:endParaRPr lang="sv-SE"/>
-          </a:p>
-        </p:txBody>
-      </p:sp>
-      <p:cxnSp>
-        <p:nvCxnSpPr>
-          <p:cNvPr id="22" name="Rak pilkoppling 21"/>
-          <p:cNvCxnSpPr/>
-          <p:nvPr/>
-        </p:nvCxnSpPr>
-        <p:spPr>
-          <a:xfrm>
-            <a:off x="3755572" y="12547757"/>
-            <a:ext cx="3037114" cy="0"/>
-          </a:xfrm>
-          <a:prstGeom prst="straightConnector1">
-            <a:avLst/>
-          </a:prstGeom>
-          <a:ln w="82550">
-            <a:solidFill>
-              <a:schemeClr val="tx2"/>
-            </a:solidFill>
-            <a:tailEnd type="triangle"/>
-          </a:ln>
-        </p:spPr>
-        <p:style>
-          <a:lnRef idx="2">
-            <a:schemeClr val="accent1"/>
-          </a:lnRef>
-          <a:fillRef idx="0">
-            <a:schemeClr val="accent1"/>
-          </a:fillRef>
-          <a:effectRef idx="1">
-            <a:schemeClr val="accent1"/>
-          </a:effectRef>
-          <a:fontRef idx="minor">
-            <a:schemeClr val="tx1"/>
-          </a:fontRef>
-        </p:style>
-      </p:cxnSp>
-      <p:sp>
-        <p:nvSpPr>
-          <p:cNvPr id="35" name="Rektangel 34"/>
-          <p:cNvSpPr/>
-          <p:nvPr/>
-        </p:nvSpPr>
-        <p:spPr>
-          <a:xfrm>
-            <a:off x="6792686" y="14579087"/>
-            <a:ext cx="506184" cy="475566"/>
-          </a:xfrm>
-          <a:prstGeom prst="rect">
-            <a:avLst/>
-          </a:prstGeom>
-          <a:solidFill>
-            <a:schemeClr val="bg2"/>
-          </a:solidFill>
-        </p:spPr>
-        <p:style>
-          <a:lnRef idx="1">
-            <a:schemeClr val="accent1"/>
-          </a:lnRef>
-          <a:fillRef idx="3">
-            <a:schemeClr val="accent1"/>
-          </a:fillRef>
-          <a:effectRef idx="2">
-            <a:schemeClr val="accent1"/>
-          </a:effectRef>
-          <a:fontRef idx="minor">
-            <a:schemeClr val="lt1"/>
-          </a:fontRef>
-        </p:style>
-        <p:txBody>
-          <a:bodyPr rtlCol="0" anchor="ctr"/>
-          <a:lstStyle/>
-          <a:p>
-            <a:pPr algn="ctr"/>
-            <a:endParaRPr lang="sv-SE"/>
-          </a:p>
-        </p:txBody>
-      </p:sp>
-      <p:cxnSp>
-        <p:nvCxnSpPr>
-          <p:cNvPr id="23" name="Rak pilkoppling 22"/>
-          <p:cNvCxnSpPr/>
-          <p:nvPr/>
-        </p:nvCxnSpPr>
-        <p:spPr>
-          <a:xfrm>
-            <a:off x="3755572" y="14816870"/>
-            <a:ext cx="3037114" cy="0"/>
-          </a:xfrm>
-          <a:prstGeom prst="straightConnector1">
-            <a:avLst/>
-          </a:prstGeom>
-          <a:ln w="82550">
-            <a:solidFill>
-              <a:schemeClr val="tx2"/>
-            </a:solidFill>
-            <a:tailEnd type="triangle"/>
-          </a:ln>
-        </p:spPr>
-        <p:style>
-          <a:lnRef idx="2">
-            <a:schemeClr val="accent1"/>
-          </a:lnRef>
-          <a:fillRef idx="0">
-            <a:schemeClr val="accent1"/>
-          </a:fillRef>
-          <a:effectRef idx="1">
-            <a:schemeClr val="accent1"/>
-          </a:effectRef>
-          <a:fontRef idx="minor">
-            <a:schemeClr val="tx1"/>
-          </a:fontRef>
-        </p:style>
-      </p:cxnSp>
-      <p:cxnSp>
-        <p:nvCxnSpPr>
-          <p:cNvPr id="44" name="Rak koppling 43"/>
-          <p:cNvCxnSpPr/>
-          <p:nvPr/>
-        </p:nvCxnSpPr>
-        <p:spPr>
-          <a:xfrm>
-            <a:off x="16410214" y="12633140"/>
-            <a:ext cx="1012371" cy="0"/>
-          </a:xfrm>
-          <a:prstGeom prst="line">
-            <a:avLst/>
-          </a:prstGeom>
-          <a:ln w="82550">
-            <a:solidFill>
-              <a:schemeClr val="tx2"/>
-            </a:solidFill>
-          </a:ln>
-        </p:spPr>
-        <p:style>
-          <a:lnRef idx="2">
-            <a:schemeClr val="accent1"/>
-          </a:lnRef>
-          <a:fillRef idx="0">
-            <a:schemeClr val="accent1"/>
-          </a:fillRef>
-          <a:effectRef idx="1">
-            <a:schemeClr val="accent1"/>
-          </a:effectRef>
-          <a:fontRef idx="minor">
-            <a:schemeClr val="tx1"/>
-          </a:fontRef>
-        </p:style>
-      </p:cxnSp>
-      <p:cxnSp>
-        <p:nvCxnSpPr>
-          <p:cNvPr id="48" name="Rak pilkoppling 47"/>
-          <p:cNvCxnSpPr/>
-          <p:nvPr/>
-        </p:nvCxnSpPr>
-        <p:spPr>
-          <a:xfrm>
-            <a:off x="17928771" y="12779829"/>
-            <a:ext cx="1459727" cy="538843"/>
-          </a:xfrm>
-          <a:prstGeom prst="straightConnector1">
-            <a:avLst/>
-          </a:prstGeom>
-          <a:ln w="82550">
-            <a:solidFill>
-              <a:schemeClr val="tx2"/>
-            </a:solidFill>
-            <a:tailEnd type="triangle"/>
-          </a:ln>
-        </p:spPr>
-        <p:style>
-          <a:lnRef idx="2">
-            <a:schemeClr val="accent1"/>
-          </a:lnRef>
-          <a:fillRef idx="0">
-            <a:schemeClr val="accent1"/>
-          </a:fillRef>
-          <a:effectRef idx="1">
-            <a:schemeClr val="accent1"/>
-          </a:effectRef>
-          <a:fontRef idx="minor">
-            <a:schemeClr val="tx1"/>
-          </a:fontRef>
-        </p:style>
-      </p:cxnSp>
-      <p:sp>
-        <p:nvSpPr>
-          <p:cNvPr id="50" name="Frihandsfigur 49"/>
-          <p:cNvSpPr/>
-          <p:nvPr/>
-        </p:nvSpPr>
-        <p:spPr>
-          <a:xfrm>
-            <a:off x="17429356" y="12634332"/>
-            <a:ext cx="535259" cy="178419"/>
-          </a:xfrm>
-          <a:custGeom>
-            <a:avLst/>
-            <a:gdLst>
-              <a:gd name="connsiteX0" fmla="*/ 0 w 535259"/>
-              <a:gd name="connsiteY0" fmla="*/ 0 h 178419"/>
-              <a:gd name="connsiteX1" fmla="*/ 55756 w 535259"/>
-              <a:gd name="connsiteY1" fmla="*/ 22302 h 178419"/>
-              <a:gd name="connsiteX2" fmla="*/ 156117 w 535259"/>
-              <a:gd name="connsiteY2" fmla="*/ 55756 h 178419"/>
-              <a:gd name="connsiteX3" fmla="*/ 189571 w 535259"/>
-              <a:gd name="connsiteY3" fmla="*/ 66907 h 178419"/>
-              <a:gd name="connsiteX4" fmla="*/ 223024 w 535259"/>
-              <a:gd name="connsiteY4" fmla="*/ 78058 h 178419"/>
-              <a:gd name="connsiteX5" fmla="*/ 245327 w 535259"/>
-              <a:gd name="connsiteY5" fmla="*/ 100361 h 178419"/>
-              <a:gd name="connsiteX6" fmla="*/ 356839 w 535259"/>
-              <a:gd name="connsiteY6" fmla="*/ 122663 h 178419"/>
-              <a:gd name="connsiteX7" fmla="*/ 457200 w 535259"/>
-              <a:gd name="connsiteY7" fmla="*/ 133814 h 178419"/>
-              <a:gd name="connsiteX8" fmla="*/ 490654 w 535259"/>
-              <a:gd name="connsiteY8" fmla="*/ 156117 h 178419"/>
-              <a:gd name="connsiteX9" fmla="*/ 535259 w 535259"/>
-              <a:gd name="connsiteY9" fmla="*/ 178419 h 178419"/>
-            </a:gdLst>
-            <a:ahLst/>
-            <a:cxnLst>
-              <a:cxn ang="0">
-                <a:pos x="connsiteX0" y="connsiteY0"/>
-              </a:cxn>
-              <a:cxn ang="0">
-                <a:pos x="connsiteX1" y="connsiteY1"/>
-              </a:cxn>
-              <a:cxn ang="0">
-                <a:pos x="connsiteX2" y="connsiteY2"/>
-              </a:cxn>
-              <a:cxn ang="0">
-                <a:pos x="connsiteX3" y="connsiteY3"/>
-              </a:cxn>
-              <a:cxn ang="0">
-                <a:pos x="connsiteX4" y="connsiteY4"/>
-              </a:cxn>
-              <a:cxn ang="0">
-                <a:pos x="connsiteX5" y="connsiteY5"/>
-              </a:cxn>
-              <a:cxn ang="0">
-                <a:pos x="connsiteX6" y="connsiteY6"/>
-              </a:cxn>
-              <a:cxn ang="0">
-                <a:pos x="connsiteX7" y="connsiteY7"/>
-              </a:cxn>
-              <a:cxn ang="0">
-                <a:pos x="connsiteX8" y="connsiteY8"/>
-              </a:cxn>
-              <a:cxn ang="0">
-                <a:pos x="connsiteX9" y="connsiteY9"/>
-              </a:cxn>
-            </a:cxnLst>
-            <a:rect l="l" t="t" r="r" b="b"/>
-            <a:pathLst>
-              <a:path w="535259" h="178419">
-                <a:moveTo>
-                  <a:pt x="0" y="0"/>
-                </a:moveTo>
-                <a:cubicBezTo>
-                  <a:pt x="18585" y="7434"/>
-                  <a:pt x="36944" y="15461"/>
-                  <a:pt x="55756" y="22302"/>
-                </a:cubicBezTo>
-                <a:cubicBezTo>
-                  <a:pt x="55763" y="22305"/>
-                  <a:pt x="139386" y="50179"/>
-                  <a:pt x="156117" y="55756"/>
-                </a:cubicBezTo>
-                <a:lnTo>
-                  <a:pt x="189571" y="66907"/>
-                </a:lnTo>
-                <a:lnTo>
-                  <a:pt x="223024" y="78058"/>
-                </a:lnTo>
-                <a:cubicBezTo>
-                  <a:pt x="230458" y="85492"/>
-                  <a:pt x="236312" y="94952"/>
-                  <a:pt x="245327" y="100361"/>
-                </a:cubicBezTo>
-                <a:cubicBezTo>
-                  <a:pt x="269427" y="114821"/>
-                  <a:pt x="343815" y="121035"/>
-                  <a:pt x="356839" y="122663"/>
-                </a:cubicBezTo>
-                <a:cubicBezTo>
-                  <a:pt x="390239" y="126838"/>
-                  <a:pt x="423746" y="130097"/>
-                  <a:pt x="457200" y="133814"/>
-                </a:cubicBezTo>
-                <a:cubicBezTo>
-                  <a:pt x="468351" y="141248"/>
-                  <a:pt x="478667" y="150123"/>
-                  <a:pt x="490654" y="156117"/>
-                </a:cubicBezTo>
-                <a:cubicBezTo>
-                  <a:pt x="541911" y="181746"/>
-                  <a:pt x="510063" y="153225"/>
-                  <a:pt x="535259" y="178419"/>
-                </a:cubicBezTo>
-              </a:path>
-            </a:pathLst>
-          </a:custGeom>
-          <a:noFill/>
-          <a:ln w="82550">
-            <a:solidFill>
-              <a:schemeClr val="tx2"/>
-            </a:solidFill>
-          </a:ln>
-        </p:spPr>
-        <p:style>
-          <a:lnRef idx="1">
-            <a:schemeClr val="accent1"/>
-          </a:lnRef>
-          <a:fillRef idx="3">
-            <a:schemeClr val="accent1"/>
-          </a:fillRef>
-          <a:effectRef idx="2">
-            <a:schemeClr val="accent1"/>
-          </a:effectRef>
-          <a:fontRef idx="minor">
-            <a:schemeClr val="lt1"/>
-          </a:fontRef>
-        </p:style>
-        <p:txBody>
-          <a:bodyPr rtlCol="0" anchor="ctr"/>
-          <a:lstStyle/>
-          <a:p>
-            <a:pPr algn="ctr"/>
-            <a:endParaRPr lang="sv-SE"/>
-          </a:p>
-        </p:txBody>
-      </p:sp>
-      <p:cxnSp>
-        <p:nvCxnSpPr>
-          <p:cNvPr id="55" name="Rak koppling 54"/>
-          <p:cNvCxnSpPr/>
-          <p:nvPr/>
-        </p:nvCxnSpPr>
-        <p:spPr>
-          <a:xfrm>
-            <a:off x="16343338" y="14848113"/>
-            <a:ext cx="1012371" cy="0"/>
-          </a:xfrm>
-          <a:prstGeom prst="line">
-            <a:avLst/>
-          </a:prstGeom>
-          <a:ln w="82550">
-            <a:solidFill>
-              <a:schemeClr val="tx2"/>
-            </a:solidFill>
-          </a:ln>
-        </p:spPr>
-        <p:style>
-          <a:lnRef idx="2">
-            <a:schemeClr val="accent1"/>
-          </a:lnRef>
-          <a:fillRef idx="0">
-            <a:schemeClr val="accent1"/>
-          </a:fillRef>
-          <a:effectRef idx="1">
-            <a:schemeClr val="accent1"/>
-          </a:effectRef>
-          <a:fontRef idx="minor">
-            <a:schemeClr val="tx1"/>
-          </a:fontRef>
-        </p:style>
-      </p:cxnSp>
-      <p:cxnSp>
-        <p:nvCxnSpPr>
-          <p:cNvPr id="56" name="Rak pilkoppling 55"/>
-          <p:cNvCxnSpPr/>
-          <p:nvPr/>
-        </p:nvCxnSpPr>
-        <p:spPr>
-          <a:xfrm>
-            <a:off x="17861895" y="14994802"/>
-            <a:ext cx="1459727" cy="538843"/>
-          </a:xfrm>
-          <a:prstGeom prst="straightConnector1">
-            <a:avLst/>
-          </a:prstGeom>
-          <a:ln w="82550">
-            <a:solidFill>
-              <a:schemeClr val="tx2"/>
-            </a:solidFill>
-            <a:tailEnd type="triangle"/>
-          </a:ln>
-        </p:spPr>
-        <p:style>
-          <a:lnRef idx="2">
-            <a:schemeClr val="accent1"/>
-          </a:lnRef>
-          <a:fillRef idx="0">
-            <a:schemeClr val="accent1"/>
-          </a:fillRef>
-          <a:effectRef idx="1">
-            <a:schemeClr val="accent1"/>
-          </a:effectRef>
-          <a:fontRef idx="minor">
-            <a:schemeClr val="tx1"/>
-          </a:fontRef>
-        </p:style>
-      </p:cxnSp>
-      <p:sp>
-        <p:nvSpPr>
-          <p:cNvPr id="57" name="Frihandsfigur 56"/>
-          <p:cNvSpPr/>
-          <p:nvPr/>
-        </p:nvSpPr>
-        <p:spPr>
-          <a:xfrm>
-            <a:off x="17362480" y="14849305"/>
-            <a:ext cx="535259" cy="178419"/>
-          </a:xfrm>
-          <a:custGeom>
-            <a:avLst/>
-            <a:gdLst>
-              <a:gd name="connsiteX0" fmla="*/ 0 w 535259"/>
-              <a:gd name="connsiteY0" fmla="*/ 0 h 178419"/>
-              <a:gd name="connsiteX1" fmla="*/ 55756 w 535259"/>
-              <a:gd name="connsiteY1" fmla="*/ 22302 h 178419"/>
-              <a:gd name="connsiteX2" fmla="*/ 156117 w 535259"/>
-              <a:gd name="connsiteY2" fmla="*/ 55756 h 178419"/>
-              <a:gd name="connsiteX3" fmla="*/ 189571 w 535259"/>
-              <a:gd name="connsiteY3" fmla="*/ 66907 h 178419"/>
-              <a:gd name="connsiteX4" fmla="*/ 223024 w 535259"/>
-              <a:gd name="connsiteY4" fmla="*/ 78058 h 178419"/>
-              <a:gd name="connsiteX5" fmla="*/ 245327 w 535259"/>
-              <a:gd name="connsiteY5" fmla="*/ 100361 h 178419"/>
-              <a:gd name="connsiteX6" fmla="*/ 356839 w 535259"/>
-              <a:gd name="connsiteY6" fmla="*/ 122663 h 178419"/>
-              <a:gd name="connsiteX7" fmla="*/ 457200 w 535259"/>
-              <a:gd name="connsiteY7" fmla="*/ 133814 h 178419"/>
-              <a:gd name="connsiteX8" fmla="*/ 490654 w 535259"/>
-              <a:gd name="connsiteY8" fmla="*/ 156117 h 178419"/>
-              <a:gd name="connsiteX9" fmla="*/ 535259 w 535259"/>
-              <a:gd name="connsiteY9" fmla="*/ 178419 h 178419"/>
-            </a:gdLst>
-            <a:ahLst/>
-            <a:cxnLst>
-              <a:cxn ang="0">
-                <a:pos x="connsiteX0" y="connsiteY0"/>
-              </a:cxn>
-              <a:cxn ang="0">
-                <a:pos x="connsiteX1" y="connsiteY1"/>
-              </a:cxn>
-              <a:cxn ang="0">
-                <a:pos x="connsiteX2" y="connsiteY2"/>
-              </a:cxn>
-              <a:cxn ang="0">
-                <a:pos x="connsiteX3" y="connsiteY3"/>
-              </a:cxn>
-              <a:cxn ang="0">
-                <a:pos x="connsiteX4" y="connsiteY4"/>
-              </a:cxn>
-              <a:cxn ang="0">
-                <a:pos x="connsiteX5" y="connsiteY5"/>
-              </a:cxn>
-              <a:cxn ang="0">
-                <a:pos x="connsiteX6" y="connsiteY6"/>
-              </a:cxn>
-              <a:cxn ang="0">
-                <a:pos x="connsiteX7" y="connsiteY7"/>
-              </a:cxn>
-              <a:cxn ang="0">
-                <a:pos x="connsiteX8" y="connsiteY8"/>
-              </a:cxn>
-              <a:cxn ang="0">
-                <a:pos x="connsiteX9" y="connsiteY9"/>
-              </a:cxn>
-            </a:cxnLst>
-            <a:rect l="l" t="t" r="r" b="b"/>
-            <a:pathLst>
-              <a:path w="535259" h="178419">
-                <a:moveTo>
-                  <a:pt x="0" y="0"/>
-                </a:moveTo>
-                <a:cubicBezTo>
-                  <a:pt x="18585" y="7434"/>
-                  <a:pt x="36944" y="15461"/>
-                  <a:pt x="55756" y="22302"/>
-                </a:cubicBezTo>
-                <a:cubicBezTo>
-                  <a:pt x="55763" y="22305"/>
-                  <a:pt x="139386" y="50179"/>
-                  <a:pt x="156117" y="55756"/>
-                </a:cubicBezTo>
-                <a:lnTo>
-                  <a:pt x="189571" y="66907"/>
-                </a:lnTo>
-                <a:lnTo>
-                  <a:pt x="223024" y="78058"/>
-                </a:lnTo>
-                <a:cubicBezTo>
-                  <a:pt x="230458" y="85492"/>
-                  <a:pt x="236312" y="94952"/>
-                  <a:pt x="245327" y="100361"/>
-                </a:cubicBezTo>
-                <a:cubicBezTo>
-                  <a:pt x="269427" y="114821"/>
-                  <a:pt x="343815" y="121035"/>
-                  <a:pt x="356839" y="122663"/>
-                </a:cubicBezTo>
-                <a:cubicBezTo>
-                  <a:pt x="390239" y="126838"/>
-                  <a:pt x="423746" y="130097"/>
-                  <a:pt x="457200" y="133814"/>
-                </a:cubicBezTo>
-                <a:cubicBezTo>
-                  <a:pt x="468351" y="141248"/>
-                  <a:pt x="478667" y="150123"/>
-                  <a:pt x="490654" y="156117"/>
-                </a:cubicBezTo>
-                <a:cubicBezTo>
-                  <a:pt x="541911" y="181746"/>
-                  <a:pt x="510063" y="153225"/>
-                  <a:pt x="535259" y="178419"/>
-                </a:cubicBezTo>
-              </a:path>
-            </a:pathLst>
-          </a:custGeom>
-          <a:noFill/>
-          <a:ln w="82550">
-            <a:solidFill>
-              <a:schemeClr val="tx2"/>
-            </a:solidFill>
-          </a:ln>
-        </p:spPr>
-        <p:style>
-          <a:lnRef idx="1">
-            <a:schemeClr val="accent1"/>
-          </a:lnRef>
-          <a:fillRef idx="3">
-            <a:schemeClr val="accent1"/>
-          </a:fillRef>
-          <a:effectRef idx="2">
-            <a:schemeClr val="accent1"/>
-          </a:effectRef>
-          <a:fontRef idx="minor">
-            <a:schemeClr val="lt1"/>
-          </a:fontRef>
-        </p:style>
-        <p:txBody>
-          <a:bodyPr rtlCol="0" anchor="ctr"/>
-          <a:lstStyle/>
-          <a:p>
-            <a:pPr algn="ctr"/>
-            <a:endParaRPr lang="sv-SE"/>
+            <a:r>
+              <a:rPr lang="sv-SE" dirty="0"/>
+              <a:t>Hardware </a:t>
+            </a:r>
+            <a:r>
+              <a:rPr lang="sv-SE" dirty="0" err="1"/>
+              <a:t>added</a:t>
+            </a:r>
+            <a:r>
+              <a:rPr lang="sv-SE" dirty="0"/>
+              <a:t> to the system</a:t>
+            </a:r>
           </a:p>
         </p:txBody>
       </p:sp>
     </p:spTree>
     <p:extLst>
       <p:ext uri="{BB962C8B-B14F-4D97-AF65-F5344CB8AC3E}">
-        <p14:creationId xmlns:p14="http://schemas.microsoft.com/office/powerpoint/2010/main" val="3693866885"/>
+        <p14:creationId xmlns:p14="http://schemas.microsoft.com/office/powerpoint/2010/main" val="2300307345"/>
       </p:ext>
     </p:extLst>
   </p:cSld>

--- a/Control of Sous Vide Cooking Device.pptx
+++ b/Control of Sous Vide Cooking Device.pptx
@@ -211,7 +211,7 @@
           <a:p>
             <a:fld id="{FD44785F-C493-F548-A565-CD2A9427BE46}" type="datetimeFigureOut">
               <a:rPr lang="sv-SE" smtClean="0"/>
-              <a:t>2016-12-07</a:t>
+              <a:t>2016-12-14</a:t>
             </a:fld>
             <a:endParaRPr lang="sv-SE" dirty="0"/>
           </a:p>
@@ -376,7 +376,7 @@
           <a:p>
             <a:fld id="{86C1F462-CC0E-4215-B2E3-FB90C61B1F46}" type="datetimeFigureOut">
               <a:rPr lang="sv-SE" smtClean="0"/>
-              <a:t>2016-12-07</a:t>
+              <a:t>2016-12-14</a:t>
             </a:fld>
             <a:endParaRPr lang="sv-SE" dirty="0"/>
           </a:p>
@@ -775,7 +775,7 @@
           <a:noFill/>
           <a:extLst>
             <a:ext uri="{909E8E84-426E-40dd-AFC4-6F175D3DCCD1}">
-              <a14:hiddenFill xmlns="" xmlns:a14="http://schemas.microsoft.com/office/drawing/2010/main">
+              <a14:hiddenFill xmlns:a14="http://schemas.microsoft.com/office/drawing/2010/main" xmlns="">
                 <a:solidFill>
                   <a:srgbClr val="FFFFFF"/>
                 </a:solidFill>
@@ -1827,7 +1827,7 @@
           <a:noFill/>
           <a:extLst>
             <a:ext uri="{909E8E84-426E-40dd-AFC4-6F175D3DCCD1}">
-              <a14:hiddenFill xmlns="" xmlns:a14="http://schemas.microsoft.com/office/drawing/2010/main">
+              <a14:hiddenFill xmlns:a14="http://schemas.microsoft.com/office/drawing/2010/main" xmlns="">
                 <a:solidFill>
                   <a:srgbClr val="FFFFFF"/>
                 </a:solidFill>
@@ -2635,7 +2635,7 @@
             <a:pPr algn="r"/>
             <a:r>
               <a:rPr lang="sv-SE" dirty="0"/>
-              <a:t>Markus Björklund, Josefine </a:t>
+              <a:t>Marcus Björklund, Josefine </a:t>
             </a:r>
             <a:r>
               <a:rPr lang="sv-SE" dirty="0" err="1"/>
